--- a/졸업작품 기획서/졸업작품 제안서 초안.pptx
+++ b/졸업작품 기획서/졸업작품 제안서 초안.pptx
@@ -115,6 +115,11 @@
       </a:defRPr>
     </a:lvl9pPr>
   </p:defaultTextStyle>
+  <p:extLst>
+    <p:ext uri="{EFAFB233-063F-42B5-8137-9DF3F51BA10A}">
+      <p15:sldGuideLst xmlns:p15="http://schemas.microsoft.com/office/powerpoint/2012/main"/>
+    </p:ext>
+  </p:extLst>
 </p:presentation>
 </file>
 
@@ -248,7 +253,7 @@
           </a:lstStyle>
           <a:p>
             <a:r>
-              <a:rPr lang="ko-KR" altLang="en-US" smtClean="0"/>
+              <a:rPr lang="ko-KR" altLang="en-US"/>
               <a:t>마스터 제목 스타일 편집</a:t>
             </a:r>
             <a:endParaRPr lang="en-US" dirty="0"/>
@@ -320,7 +325,7 @@
           </a:lstStyle>
           <a:p>
             <a:r>
-              <a:rPr lang="ko-KR" altLang="en-US" smtClean="0"/>
+              <a:rPr lang="ko-KR" altLang="en-US"/>
               <a:t>클릭하여 마스터 부제목 스타일 편집</a:t>
             </a:r>
             <a:endParaRPr lang="en-US" dirty="0"/>
@@ -344,7 +349,7 @@
           <a:p>
             <a:fld id="{4FD1C392-09A5-42D1-9A76-D4FFD6035F56}" type="datetimeFigureOut">
               <a:rPr lang="ko-KR" altLang="en-US" smtClean="0"/>
-              <a:t>2020-11-20</a:t>
+              <a:t>2020-11-22</a:t>
             </a:fld>
             <a:endParaRPr lang="ko-KR" altLang="en-US"/>
           </a:p>
@@ -476,7 +481,7 @@
           <a:lstStyle/>
           <a:p>
             <a:r>
-              <a:rPr lang="ko-KR" altLang="en-US" smtClean="0"/>
+              <a:rPr lang="ko-KR" altLang="en-US"/>
               <a:t>마스터 제목 스타일 편집</a:t>
             </a:r>
             <a:endParaRPr lang="en-US" dirty="0"/>
@@ -500,35 +505,35 @@
           <a:p>
             <a:pPr lvl="0"/>
             <a:r>
-              <a:rPr lang="ko-KR" altLang="en-US" smtClean="0"/>
+              <a:rPr lang="ko-KR" altLang="en-US"/>
               <a:t>마스터 텍스트 스타일 편집</a:t>
             </a:r>
           </a:p>
           <a:p>
             <a:pPr lvl="1"/>
             <a:r>
-              <a:rPr lang="ko-KR" altLang="en-US" smtClean="0"/>
+              <a:rPr lang="ko-KR" altLang="en-US"/>
               <a:t>둘째 수준</a:t>
             </a:r>
           </a:p>
           <a:p>
             <a:pPr lvl="2"/>
             <a:r>
-              <a:rPr lang="ko-KR" altLang="en-US" smtClean="0"/>
+              <a:rPr lang="ko-KR" altLang="en-US"/>
               <a:t>셋째 수준</a:t>
             </a:r>
           </a:p>
           <a:p>
             <a:pPr lvl="3"/>
             <a:r>
-              <a:rPr lang="ko-KR" altLang="en-US" smtClean="0"/>
+              <a:rPr lang="ko-KR" altLang="en-US"/>
               <a:t>넷째 수준</a:t>
             </a:r>
           </a:p>
           <a:p>
             <a:pPr lvl="4"/>
             <a:r>
-              <a:rPr lang="ko-KR" altLang="en-US" smtClean="0"/>
+              <a:rPr lang="ko-KR" altLang="en-US"/>
               <a:t>다섯째 수준</a:t>
             </a:r>
             <a:endParaRPr lang="en-US" dirty="0"/>
@@ -552,7 +557,7 @@
           <a:p>
             <a:fld id="{4FD1C392-09A5-42D1-9A76-D4FFD6035F56}" type="datetimeFigureOut">
               <a:rPr lang="ko-KR" altLang="en-US" smtClean="0"/>
-              <a:t>2020-11-20</a:t>
+              <a:t>2020-11-22</a:t>
             </a:fld>
             <a:endParaRPr lang="ko-KR" altLang="en-US"/>
           </a:p>
@@ -727,7 +732,7 @@
           <a:lstStyle/>
           <a:p>
             <a:r>
-              <a:rPr lang="ko-KR" altLang="en-US" smtClean="0"/>
+              <a:rPr lang="ko-KR" altLang="en-US"/>
               <a:t>마스터 제목 스타일 편집</a:t>
             </a:r>
             <a:endParaRPr lang="en-US" dirty="0"/>
@@ -756,35 +761,35 @@
           <a:p>
             <a:pPr lvl="0"/>
             <a:r>
-              <a:rPr lang="ko-KR" altLang="en-US" smtClean="0"/>
+              <a:rPr lang="ko-KR" altLang="en-US"/>
               <a:t>마스터 텍스트 스타일 편집</a:t>
             </a:r>
           </a:p>
           <a:p>
             <a:pPr lvl="1"/>
             <a:r>
-              <a:rPr lang="ko-KR" altLang="en-US" smtClean="0"/>
+              <a:rPr lang="ko-KR" altLang="en-US"/>
               <a:t>둘째 수준</a:t>
             </a:r>
           </a:p>
           <a:p>
             <a:pPr lvl="2"/>
             <a:r>
-              <a:rPr lang="ko-KR" altLang="en-US" smtClean="0"/>
+              <a:rPr lang="ko-KR" altLang="en-US"/>
               <a:t>셋째 수준</a:t>
             </a:r>
           </a:p>
           <a:p>
             <a:pPr lvl="3"/>
             <a:r>
-              <a:rPr lang="ko-KR" altLang="en-US" smtClean="0"/>
+              <a:rPr lang="ko-KR" altLang="en-US"/>
               <a:t>넷째 수준</a:t>
             </a:r>
           </a:p>
           <a:p>
             <a:pPr lvl="4"/>
             <a:r>
-              <a:rPr lang="ko-KR" altLang="en-US" smtClean="0"/>
+              <a:rPr lang="ko-KR" altLang="en-US"/>
               <a:t>다섯째 수준</a:t>
             </a:r>
             <a:endParaRPr lang="en-US" dirty="0"/>
@@ -808,7 +813,7 @@
           <a:p>
             <a:fld id="{4FD1C392-09A5-42D1-9A76-D4FFD6035F56}" type="datetimeFigureOut">
               <a:rPr lang="ko-KR" altLang="en-US" smtClean="0"/>
-              <a:t>2020-11-20</a:t>
+              <a:t>2020-11-22</a:t>
             </a:fld>
             <a:endParaRPr lang="ko-KR" altLang="en-US"/>
           </a:p>
@@ -906,7 +911,7 @@
           </a:lstStyle>
           <a:p>
             <a:r>
-              <a:rPr lang="ko-KR" altLang="en-US" smtClean="0"/>
+              <a:rPr lang="ko-KR" altLang="en-US"/>
               <a:t>마스터 제목 스타일 편집</a:t>
             </a:r>
             <a:endParaRPr lang="en-US" dirty="0"/>
@@ -930,35 +935,35 @@
           <a:p>
             <a:pPr lvl="0"/>
             <a:r>
-              <a:rPr lang="ko-KR" altLang="en-US" smtClean="0"/>
+              <a:rPr lang="ko-KR" altLang="en-US"/>
               <a:t>마스터 텍스트 스타일 편집</a:t>
             </a:r>
           </a:p>
           <a:p>
             <a:pPr lvl="1"/>
             <a:r>
-              <a:rPr lang="ko-KR" altLang="en-US" smtClean="0"/>
+              <a:rPr lang="ko-KR" altLang="en-US"/>
               <a:t>둘째 수준</a:t>
             </a:r>
           </a:p>
           <a:p>
             <a:pPr lvl="2"/>
             <a:r>
-              <a:rPr lang="ko-KR" altLang="en-US" smtClean="0"/>
+              <a:rPr lang="ko-KR" altLang="en-US"/>
               <a:t>셋째 수준</a:t>
             </a:r>
           </a:p>
           <a:p>
             <a:pPr lvl="3"/>
             <a:r>
-              <a:rPr lang="ko-KR" altLang="en-US" smtClean="0"/>
+              <a:rPr lang="ko-KR" altLang="en-US"/>
               <a:t>넷째 수준</a:t>
             </a:r>
           </a:p>
           <a:p>
             <a:pPr lvl="4"/>
             <a:r>
-              <a:rPr lang="ko-KR" altLang="en-US" smtClean="0"/>
+              <a:rPr lang="ko-KR" altLang="en-US"/>
               <a:t>다섯째 수준</a:t>
             </a:r>
             <a:endParaRPr lang="en-US" dirty="0"/>
@@ -982,7 +987,7 @@
           <a:p>
             <a:fld id="{4FD1C392-09A5-42D1-9A76-D4FFD6035F56}" type="datetimeFigureOut">
               <a:rPr lang="ko-KR" altLang="en-US" smtClean="0"/>
-              <a:t>2020-11-20</a:t>
+              <a:t>2020-11-22</a:t>
             </a:fld>
             <a:endParaRPr lang="ko-KR" altLang="en-US"/>
           </a:p>
@@ -1181,7 +1186,7 @@
           </a:lstStyle>
           <a:p>
             <a:r>
-              <a:rPr lang="ko-KR" altLang="en-US" smtClean="0"/>
+              <a:rPr lang="ko-KR" altLang="en-US"/>
               <a:t>마스터 제목 스타일 편집</a:t>
             </a:r>
             <a:endParaRPr lang="en-US" dirty="0"/>
@@ -1302,7 +1307,7 @@
           <a:p>
             <a:pPr lvl="0"/>
             <a:r>
-              <a:rPr lang="ko-KR" altLang="en-US" smtClean="0"/>
+              <a:rPr lang="ko-KR" altLang="en-US"/>
               <a:t>마스터 텍스트 스타일 편집</a:t>
             </a:r>
           </a:p>
@@ -1325,7 +1330,7 @@
           <a:p>
             <a:fld id="{4FD1C392-09A5-42D1-9A76-D4FFD6035F56}" type="datetimeFigureOut">
               <a:rPr lang="ko-KR" altLang="en-US" smtClean="0"/>
-              <a:t>2020-11-20</a:t>
+              <a:t>2020-11-22</a:t>
             </a:fld>
             <a:endParaRPr lang="ko-KR" altLang="en-US"/>
           </a:p>
@@ -1462,7 +1467,7 @@
           <a:lstStyle/>
           <a:p>
             <a:r>
-              <a:rPr lang="ko-KR" altLang="en-US" smtClean="0"/>
+              <a:rPr lang="ko-KR" altLang="en-US"/>
               <a:t>마스터 제목 스타일 편집</a:t>
             </a:r>
             <a:endParaRPr lang="en-US" dirty="0"/>
@@ -1491,35 +1496,35 @@
           <a:p>
             <a:pPr lvl="0"/>
             <a:r>
-              <a:rPr lang="ko-KR" altLang="en-US" smtClean="0"/>
+              <a:rPr lang="ko-KR" altLang="en-US"/>
               <a:t>마스터 텍스트 스타일 편집</a:t>
             </a:r>
           </a:p>
           <a:p>
             <a:pPr lvl="1"/>
             <a:r>
-              <a:rPr lang="ko-KR" altLang="en-US" smtClean="0"/>
+              <a:rPr lang="ko-KR" altLang="en-US"/>
               <a:t>둘째 수준</a:t>
             </a:r>
           </a:p>
           <a:p>
             <a:pPr lvl="2"/>
             <a:r>
-              <a:rPr lang="ko-KR" altLang="en-US" smtClean="0"/>
+              <a:rPr lang="ko-KR" altLang="en-US"/>
               <a:t>셋째 수준</a:t>
             </a:r>
           </a:p>
           <a:p>
             <a:pPr lvl="3"/>
             <a:r>
-              <a:rPr lang="ko-KR" altLang="en-US" smtClean="0"/>
+              <a:rPr lang="ko-KR" altLang="en-US"/>
               <a:t>넷째 수준</a:t>
             </a:r>
           </a:p>
           <a:p>
             <a:pPr lvl="4"/>
             <a:r>
-              <a:rPr lang="ko-KR" altLang="en-US" smtClean="0"/>
+              <a:rPr lang="ko-KR" altLang="en-US"/>
               <a:t>다섯째 수준</a:t>
             </a:r>
             <a:endParaRPr lang="en-US" dirty="0"/>
@@ -1548,35 +1553,35 @@
           <a:p>
             <a:pPr lvl="0"/>
             <a:r>
-              <a:rPr lang="ko-KR" altLang="en-US" smtClean="0"/>
+              <a:rPr lang="ko-KR" altLang="en-US"/>
               <a:t>마스터 텍스트 스타일 편집</a:t>
             </a:r>
           </a:p>
           <a:p>
             <a:pPr lvl="1"/>
             <a:r>
-              <a:rPr lang="ko-KR" altLang="en-US" smtClean="0"/>
+              <a:rPr lang="ko-KR" altLang="en-US"/>
               <a:t>둘째 수준</a:t>
             </a:r>
           </a:p>
           <a:p>
             <a:pPr lvl="2"/>
             <a:r>
-              <a:rPr lang="ko-KR" altLang="en-US" smtClean="0"/>
+              <a:rPr lang="ko-KR" altLang="en-US"/>
               <a:t>셋째 수준</a:t>
             </a:r>
           </a:p>
           <a:p>
             <a:pPr lvl="3"/>
             <a:r>
-              <a:rPr lang="ko-KR" altLang="en-US" smtClean="0"/>
+              <a:rPr lang="ko-KR" altLang="en-US"/>
               <a:t>넷째 수준</a:t>
             </a:r>
           </a:p>
           <a:p>
             <a:pPr lvl="4"/>
             <a:r>
-              <a:rPr lang="ko-KR" altLang="en-US" smtClean="0"/>
+              <a:rPr lang="ko-KR" altLang="en-US"/>
               <a:t>다섯째 수준</a:t>
             </a:r>
             <a:endParaRPr lang="en-US" dirty="0"/>
@@ -1600,7 +1605,7 @@
           <a:p>
             <a:fld id="{4FD1C392-09A5-42D1-9A76-D4FFD6035F56}" type="datetimeFigureOut">
               <a:rPr lang="ko-KR" altLang="en-US" smtClean="0"/>
-              <a:t>2020-11-20</a:t>
+              <a:t>2020-11-22</a:t>
             </a:fld>
             <a:endParaRPr lang="ko-KR" altLang="en-US"/>
           </a:p>
@@ -1699,7 +1704,7 @@
           <a:lstStyle/>
           <a:p>
             <a:r>
-              <a:rPr lang="ko-KR" altLang="en-US" smtClean="0"/>
+              <a:rPr lang="ko-KR" altLang="en-US"/>
               <a:t>마스터 제목 스타일 편집</a:t>
             </a:r>
             <a:endParaRPr lang="en-US" dirty="0"/>
@@ -1771,7 +1776,7 @@
           <a:p>
             <a:pPr lvl="0"/>
             <a:r>
-              <a:rPr lang="ko-KR" altLang="en-US" smtClean="0"/>
+              <a:rPr lang="ko-KR" altLang="en-US"/>
               <a:t>마스터 텍스트 스타일 편집</a:t>
             </a:r>
           </a:p>
@@ -1799,35 +1804,35 @@
           <a:p>
             <a:pPr lvl="0"/>
             <a:r>
-              <a:rPr lang="ko-KR" altLang="en-US" smtClean="0"/>
+              <a:rPr lang="ko-KR" altLang="en-US"/>
               <a:t>마스터 텍스트 스타일 편집</a:t>
             </a:r>
           </a:p>
           <a:p>
             <a:pPr lvl="1"/>
             <a:r>
-              <a:rPr lang="ko-KR" altLang="en-US" smtClean="0"/>
+              <a:rPr lang="ko-KR" altLang="en-US"/>
               <a:t>둘째 수준</a:t>
             </a:r>
           </a:p>
           <a:p>
             <a:pPr lvl="2"/>
             <a:r>
-              <a:rPr lang="ko-KR" altLang="en-US" smtClean="0"/>
+              <a:rPr lang="ko-KR" altLang="en-US"/>
               <a:t>셋째 수준</a:t>
             </a:r>
           </a:p>
           <a:p>
             <a:pPr lvl="3"/>
             <a:r>
-              <a:rPr lang="ko-KR" altLang="en-US" smtClean="0"/>
+              <a:rPr lang="ko-KR" altLang="en-US"/>
               <a:t>넷째 수준</a:t>
             </a:r>
           </a:p>
           <a:p>
             <a:pPr lvl="4"/>
             <a:r>
-              <a:rPr lang="ko-KR" altLang="en-US" smtClean="0"/>
+              <a:rPr lang="ko-KR" altLang="en-US"/>
               <a:t>다섯째 수준</a:t>
             </a:r>
             <a:endParaRPr lang="en-US" dirty="0"/>
@@ -1899,7 +1904,7 @@
           <a:p>
             <a:pPr lvl="0"/>
             <a:r>
-              <a:rPr lang="ko-KR" altLang="en-US" smtClean="0"/>
+              <a:rPr lang="ko-KR" altLang="en-US"/>
               <a:t>마스터 텍스트 스타일 편집</a:t>
             </a:r>
           </a:p>
@@ -1927,35 +1932,35 @@
           <a:p>
             <a:pPr lvl="0"/>
             <a:r>
-              <a:rPr lang="ko-KR" altLang="en-US" smtClean="0"/>
+              <a:rPr lang="ko-KR" altLang="en-US"/>
               <a:t>마스터 텍스트 스타일 편집</a:t>
             </a:r>
           </a:p>
           <a:p>
             <a:pPr lvl="1"/>
             <a:r>
-              <a:rPr lang="ko-KR" altLang="en-US" smtClean="0"/>
+              <a:rPr lang="ko-KR" altLang="en-US"/>
               <a:t>둘째 수준</a:t>
             </a:r>
           </a:p>
           <a:p>
             <a:pPr lvl="2"/>
             <a:r>
-              <a:rPr lang="ko-KR" altLang="en-US" smtClean="0"/>
+              <a:rPr lang="ko-KR" altLang="en-US"/>
               <a:t>셋째 수준</a:t>
             </a:r>
           </a:p>
           <a:p>
             <a:pPr lvl="3"/>
             <a:r>
-              <a:rPr lang="ko-KR" altLang="en-US" smtClean="0"/>
+              <a:rPr lang="ko-KR" altLang="en-US"/>
               <a:t>넷째 수준</a:t>
             </a:r>
           </a:p>
           <a:p>
             <a:pPr lvl="4"/>
             <a:r>
-              <a:rPr lang="ko-KR" altLang="en-US" smtClean="0"/>
+              <a:rPr lang="ko-KR" altLang="en-US"/>
               <a:t>다섯째 수준</a:t>
             </a:r>
             <a:endParaRPr lang="en-US" dirty="0"/>
@@ -1979,7 +1984,7 @@
           <a:p>
             <a:fld id="{4FD1C392-09A5-42D1-9A76-D4FFD6035F56}" type="datetimeFigureOut">
               <a:rPr lang="ko-KR" altLang="en-US" smtClean="0"/>
-              <a:t>2020-11-20</a:t>
+              <a:t>2020-11-22</a:t>
             </a:fld>
             <a:endParaRPr lang="ko-KR" altLang="en-US"/>
           </a:p>
@@ -2073,7 +2078,7 @@
           <a:lstStyle/>
           <a:p>
             <a:r>
-              <a:rPr lang="ko-KR" altLang="en-US" smtClean="0"/>
+              <a:rPr lang="ko-KR" altLang="en-US"/>
               <a:t>마스터 제목 스타일 편집</a:t>
             </a:r>
             <a:endParaRPr lang="en-US" dirty="0"/>
@@ -2097,7 +2102,7 @@
           <a:p>
             <a:fld id="{4FD1C392-09A5-42D1-9A76-D4FFD6035F56}" type="datetimeFigureOut">
               <a:rPr lang="ko-KR" altLang="en-US" smtClean="0"/>
-              <a:t>2020-11-20</a:t>
+              <a:t>2020-11-22</a:t>
             </a:fld>
             <a:endParaRPr lang="ko-KR" altLang="en-US"/>
           </a:p>
@@ -2268,7 +2273,7 @@
           <a:p>
             <a:fld id="{4FD1C392-09A5-42D1-9A76-D4FFD6035F56}" type="datetimeFigureOut">
               <a:rPr lang="ko-KR" altLang="en-US" smtClean="0"/>
-              <a:t>2020-11-20</a:t>
+              <a:t>2020-11-22</a:t>
             </a:fld>
             <a:endParaRPr lang="ko-KR" altLang="en-US"/>
           </a:p>
@@ -2461,7 +2466,7 @@
           </a:lstStyle>
           <a:p>
             <a:r>
-              <a:rPr lang="ko-KR" altLang="en-US" smtClean="0"/>
+              <a:rPr lang="ko-KR" altLang="en-US"/>
               <a:t>마스터 제목 스타일 편집</a:t>
             </a:r>
             <a:endParaRPr lang="en-US" dirty="0"/>
@@ -2490,35 +2495,35 @@
           <a:p>
             <a:pPr lvl="0"/>
             <a:r>
-              <a:rPr lang="ko-KR" altLang="en-US" smtClean="0"/>
+              <a:rPr lang="ko-KR" altLang="en-US"/>
               <a:t>마스터 텍스트 스타일 편집</a:t>
             </a:r>
           </a:p>
           <a:p>
             <a:pPr lvl="1"/>
             <a:r>
-              <a:rPr lang="ko-KR" altLang="en-US" smtClean="0"/>
+              <a:rPr lang="ko-KR" altLang="en-US"/>
               <a:t>둘째 수준</a:t>
             </a:r>
           </a:p>
           <a:p>
             <a:pPr lvl="2"/>
             <a:r>
-              <a:rPr lang="ko-KR" altLang="en-US" smtClean="0"/>
+              <a:rPr lang="ko-KR" altLang="en-US"/>
               <a:t>셋째 수준</a:t>
             </a:r>
           </a:p>
           <a:p>
             <a:pPr lvl="3"/>
             <a:r>
-              <a:rPr lang="ko-KR" altLang="en-US" smtClean="0"/>
+              <a:rPr lang="ko-KR" altLang="en-US"/>
               <a:t>넷째 수준</a:t>
             </a:r>
           </a:p>
           <a:p>
             <a:pPr lvl="4"/>
             <a:r>
-              <a:rPr lang="ko-KR" altLang="en-US" smtClean="0"/>
+              <a:rPr lang="ko-KR" altLang="en-US"/>
               <a:t>다섯째 수준</a:t>
             </a:r>
             <a:endParaRPr lang="en-US" dirty="0"/>
@@ -2590,7 +2595,7 @@
           <a:p>
             <a:pPr lvl="0"/>
             <a:r>
-              <a:rPr lang="ko-KR" altLang="en-US" smtClean="0"/>
+              <a:rPr lang="ko-KR" altLang="en-US"/>
               <a:t>마스터 텍스트 스타일 편집</a:t>
             </a:r>
           </a:p>
@@ -2622,7 +2627,7 @@
           <a:p>
             <a:fld id="{4FD1C392-09A5-42D1-9A76-D4FFD6035F56}" type="datetimeFigureOut">
               <a:rPr lang="ko-KR" altLang="en-US" smtClean="0"/>
-              <a:t>2020-11-20</a:t>
+              <a:t>2020-11-22</a:t>
             </a:fld>
             <a:endParaRPr lang="ko-KR" altLang="en-US"/>
           </a:p>
@@ -2828,7 +2833,7 @@
           </a:lstStyle>
           <a:p>
             <a:r>
-              <a:rPr lang="ko-KR" altLang="en-US" smtClean="0"/>
+              <a:rPr lang="ko-KR" altLang="en-US"/>
               <a:t>마스터 제목 스타일 편집</a:t>
             </a:r>
             <a:endParaRPr lang="en-US" dirty="0"/>
@@ -2903,7 +2908,7 @@
           </a:lstStyle>
           <a:p>
             <a:r>
-              <a:rPr lang="ko-KR" altLang="en-US" smtClean="0"/>
+              <a:rPr lang="ko-KR" altLang="en-US"/>
               <a:t>그림을 추가하려면 아이콘을 클릭하십시오</a:t>
             </a:r>
             <a:endParaRPr lang="en-US" dirty="0"/>
@@ -2981,7 +2986,7 @@
           <a:p>
             <a:pPr lvl="0"/>
             <a:r>
-              <a:rPr lang="ko-KR" altLang="en-US" smtClean="0"/>
+              <a:rPr lang="ko-KR" altLang="en-US"/>
               <a:t>마스터 텍스트 스타일 편집</a:t>
             </a:r>
           </a:p>
@@ -3004,7 +3009,7 @@
           <a:p>
             <a:fld id="{4FD1C392-09A5-42D1-9A76-D4FFD6035F56}" type="datetimeFigureOut">
               <a:rPr lang="ko-KR" altLang="en-US" smtClean="0"/>
-              <a:t>2020-11-20</a:t>
+              <a:t>2020-11-22</a:t>
             </a:fld>
             <a:endParaRPr lang="ko-KR" altLang="en-US"/>
           </a:p>
@@ -3189,7 +3194,7 @@
           <a:lstStyle/>
           <a:p>
             <a:r>
-              <a:rPr lang="ko-KR" altLang="en-US" smtClean="0"/>
+              <a:rPr lang="ko-KR" altLang="en-US"/>
               <a:t>마스터 제목 스타일 편집</a:t>
             </a:r>
             <a:endParaRPr lang="en-US" dirty="0"/>
@@ -3223,35 +3228,35 @@
           <a:p>
             <a:pPr lvl="0"/>
             <a:r>
-              <a:rPr lang="ko-KR" altLang="en-US" smtClean="0"/>
+              <a:rPr lang="ko-KR" altLang="en-US"/>
               <a:t>마스터 텍스트 스타일 편집</a:t>
             </a:r>
           </a:p>
           <a:p>
             <a:pPr lvl="1"/>
             <a:r>
-              <a:rPr lang="ko-KR" altLang="en-US" smtClean="0"/>
+              <a:rPr lang="ko-KR" altLang="en-US"/>
               <a:t>둘째 수준</a:t>
             </a:r>
           </a:p>
           <a:p>
             <a:pPr lvl="2"/>
             <a:r>
-              <a:rPr lang="ko-KR" altLang="en-US" smtClean="0"/>
+              <a:rPr lang="ko-KR" altLang="en-US"/>
               <a:t>셋째 수준</a:t>
             </a:r>
           </a:p>
           <a:p>
             <a:pPr lvl="3"/>
             <a:r>
-              <a:rPr lang="ko-KR" altLang="en-US" smtClean="0"/>
+              <a:rPr lang="ko-KR" altLang="en-US"/>
               <a:t>넷째 수준</a:t>
             </a:r>
           </a:p>
           <a:p>
             <a:pPr lvl="4"/>
             <a:r>
-              <a:rPr lang="ko-KR" altLang="en-US" smtClean="0"/>
+              <a:rPr lang="ko-KR" altLang="en-US"/>
               <a:t>다섯째 수준</a:t>
             </a:r>
             <a:endParaRPr lang="en-US" dirty="0"/>
@@ -3291,7 +3296,7 @@
           <a:p>
             <a:fld id="{4FD1C392-09A5-42D1-9A76-D4FFD6035F56}" type="datetimeFigureOut">
               <a:rPr lang="ko-KR" altLang="en-US" smtClean="0"/>
-              <a:t>2020-11-20</a:t>
+              <a:t>2020-11-22</a:t>
             </a:fld>
             <a:endParaRPr lang="ko-KR" altLang="en-US"/>
           </a:p>
@@ -3839,18 +3844,14 @@
           <a:p>
             <a:pPr algn="ctr"/>
             <a:r>
-              <a:rPr lang="ko-KR" altLang="en-US" dirty="0" smtClean="0"/>
+              <a:rPr lang="ko-KR" altLang="en-US" dirty="0"/>
               <a:t>졸업작품 기획서</a:t>
             </a:r>
-            <a:r>
-              <a:rPr lang="en-US" altLang="ko-KR" dirty="0" smtClean="0"/>
-              <a:t/>
-            </a:r>
             <a:br>
-              <a:rPr lang="en-US" altLang="ko-KR" dirty="0" smtClean="0"/>
+              <a:rPr lang="en-US" altLang="ko-KR" dirty="0"/>
             </a:br>
             <a:r>
-              <a:rPr lang="en-US" altLang="ko-KR" dirty="0" smtClean="0">
+              <a:rPr lang="en-US" altLang="ko-KR" dirty="0">
                 <a:solidFill>
                   <a:srgbClr val="002060"/>
                 </a:solidFill>
@@ -3858,7 +3859,7 @@
               <a:t>Trace</a:t>
             </a:r>
             <a:r>
-              <a:rPr lang="en-US" altLang="ko-KR" dirty="0" smtClean="0"/>
+              <a:rPr lang="en-US" altLang="ko-KR" dirty="0"/>
               <a:t>	</a:t>
             </a:r>
             <a:endParaRPr lang="ko-KR" altLang="en-US" dirty="0"/>
@@ -3911,15 +3912,10 @@
               </a:rPr>
               <a:t> </a:t>
             </a:r>
-            <a:endParaRPr lang="en-US" altLang="ko-KR" sz="1800" b="1" dirty="0" smtClean="0">
-              <a:solidFill>
-                <a:schemeClr val="tx1"/>
-              </a:solidFill>
-            </a:endParaRPr>
-          </a:p>
-          <a:p>
-            <a:r>
-              <a:rPr lang="en-US" altLang="ko-KR" sz="1800" b="1" dirty="0" smtClean="0">
+          </a:p>
+          <a:p>
+            <a:r>
+              <a:rPr lang="en-US" altLang="ko-KR" sz="1800" b="1" dirty="0">
                 <a:solidFill>
                   <a:schemeClr val="tx1"/>
                 </a:solidFill>
@@ -3927,7 +3923,7 @@
               <a:t>2016184004 </a:t>
             </a:r>
             <a:r>
-              <a:rPr lang="ko-KR" altLang="en-US" sz="1800" b="1" dirty="0" smtClean="0">
+              <a:rPr lang="ko-KR" altLang="en-US" sz="1800" b="1" dirty="0">
                 <a:solidFill>
                   <a:schemeClr val="tx1"/>
                 </a:solidFill>
@@ -3942,7 +3938,7 @@
           </a:p>
           <a:p>
             <a:r>
-              <a:rPr lang="en-US" altLang="ko-KR" sz="1800" b="1" dirty="0" smtClean="0">
+              <a:rPr lang="en-US" altLang="ko-KR" sz="1800" b="1" dirty="0">
                 <a:solidFill>
                   <a:schemeClr val="tx1"/>
                 </a:solidFill>
@@ -3950,7 +3946,7 @@
               <a:t>2016184024 </a:t>
             </a:r>
             <a:r>
-              <a:rPr lang="ko-KR" altLang="en-US" sz="1800" b="1" dirty="0" err="1" smtClean="0">
+              <a:rPr lang="ko-KR" altLang="en-US" sz="1800" b="1" dirty="0" err="1">
                 <a:solidFill>
                   <a:schemeClr val="tx1"/>
                 </a:solidFill>
@@ -3965,7 +3961,7 @@
           </a:p>
           <a:p>
             <a:r>
-              <a:rPr lang="en-US" altLang="ko-KR" sz="1800" b="1" dirty="0" smtClean="0">
+              <a:rPr lang="en-US" altLang="ko-KR" sz="1800" b="1" dirty="0">
                 <a:solidFill>
                   <a:schemeClr val="tx1"/>
                 </a:solidFill>
@@ -3973,14 +3969,14 @@
               <a:t>2016184032 </a:t>
             </a:r>
             <a:r>
-              <a:rPr lang="ko-KR" altLang="en-US" sz="1800" b="1" dirty="0" err="1" smtClean="0">
+              <a:rPr lang="ko-KR" altLang="en-US" sz="1800" b="1" dirty="0" err="1">
                 <a:solidFill>
                   <a:schemeClr val="tx1"/>
                 </a:solidFill>
               </a:rPr>
               <a:t>장재영</a:t>
             </a:r>
-            <a:endParaRPr lang="en-US" altLang="ko-KR" sz="1800" b="1" dirty="0" smtClean="0">
+            <a:endParaRPr lang="en-US" altLang="ko-KR" sz="1800" b="1" dirty="0">
               <a:solidFill>
                 <a:schemeClr val="tx1"/>
               </a:solidFill>
@@ -3998,13 +3994,6 @@
   <p:clrMapOvr>
     <a:masterClrMapping/>
   </p:clrMapOvr>
-  <p:timing>
-    <p:tnLst>
-      <p:par>
-        <p:cTn id="1" dur="indefinite" restart="never" nodeType="tmRoot"/>
-      </p:par>
-    </p:tnLst>
-  </p:timing>
 </p:sld>
 </file>
 
@@ -4088,7 +4077,7 @@
                     <a:p>
                       <a:pPr algn="ctr" latinLnBrk="1"/>
                       <a:r>
-                        <a:rPr lang="ko-KR" altLang="en-US" dirty="0" err="1" smtClean="0"/>
+                        <a:rPr lang="ko-KR" altLang="en-US" dirty="0" err="1"/>
                         <a:t>신봉섭</a:t>
                       </a:r>
                       <a:endParaRPr lang="ko-KR" altLang="en-US" dirty="0"/>
@@ -4103,7 +4092,7 @@
                     <a:p>
                       <a:pPr algn="ctr" latinLnBrk="1"/>
                       <a:r>
-                        <a:rPr lang="ko-KR" altLang="en-US" dirty="0" err="1" smtClean="0"/>
+                        <a:rPr lang="ko-KR" altLang="en-US" dirty="0" err="1"/>
                         <a:t>백도열</a:t>
                       </a:r>
                       <a:endParaRPr lang="ko-KR" altLang="en-US" dirty="0"/>
@@ -4118,10 +4107,9 @@
                     <a:p>
                       <a:pPr algn="ctr" latinLnBrk="1"/>
                       <a:r>
-                        <a:rPr lang="ko-KR" altLang="en-US" dirty="0" smtClean="0"/>
+                        <a:rPr lang="ko-KR" altLang="en-US" dirty="0"/>
                         <a:t>김용진</a:t>
                       </a:r>
-                      <a:endParaRPr lang="ko-KR" altLang="en-US" dirty="0"/>
                     </a:p>
                   </a:txBody>
                   <a:tcPr/>
@@ -4133,7 +4121,7 @@
                     <a:p>
                       <a:pPr algn="ctr" latinLnBrk="1"/>
                       <a:r>
-                        <a:rPr lang="ko-KR" altLang="en-US" dirty="0" err="1" smtClean="0"/>
+                        <a:rPr lang="ko-KR" altLang="en-US" dirty="0" err="1"/>
                         <a:t>장재영</a:t>
                       </a:r>
                       <a:endParaRPr lang="ko-KR" altLang="en-US" dirty="0"/>
@@ -4155,118 +4143,118 @@
                     <a:p>
                       <a:pPr latinLnBrk="1"/>
                       <a:r>
-                        <a:rPr lang="en-US" altLang="ko-KR" sz="1600" dirty="0" smtClean="0"/>
+                        <a:rPr lang="en-US" altLang="ko-KR" sz="1600" dirty="0"/>
                         <a:t>-C, C++ </a:t>
                       </a:r>
                       <a:r>
-                        <a:rPr lang="ko-KR" altLang="en-US" sz="1600" dirty="0" smtClean="0"/>
+                        <a:rPr lang="ko-KR" altLang="en-US" sz="1600" dirty="0"/>
                         <a:t>프로그래밍 수강</a:t>
                       </a:r>
-                      <a:endParaRPr lang="en-US" altLang="ko-KR" sz="1600" dirty="0" smtClean="0"/>
+                      <a:endParaRPr lang="en-US" altLang="ko-KR" sz="1600" dirty="0"/>
                     </a:p>
                     <a:p>
                       <a:pPr latinLnBrk="1"/>
                       <a:r>
-                        <a:rPr lang="en-US" altLang="ko-KR" sz="1600" dirty="0" smtClean="0"/>
+                        <a:rPr lang="en-US" altLang="ko-KR" sz="1600" dirty="0"/>
                         <a:t>-STL </a:t>
                       </a:r>
                       <a:r>
-                        <a:rPr lang="ko-KR" altLang="en-US" sz="1600" dirty="0" smtClean="0"/>
+                        <a:rPr lang="ko-KR" altLang="en-US" sz="1600" dirty="0"/>
                         <a:t>수강</a:t>
                       </a:r>
-                      <a:endParaRPr lang="en-US" altLang="ko-KR" sz="1600" dirty="0" smtClean="0"/>
+                      <a:endParaRPr lang="en-US" altLang="ko-KR" sz="1600" dirty="0"/>
                     </a:p>
                     <a:p>
                       <a:pPr latinLnBrk="1"/>
                       <a:r>
-                        <a:rPr lang="en-US" altLang="ko-KR" sz="1600" dirty="0" smtClean="0"/>
+                        <a:rPr lang="en-US" altLang="ko-KR" sz="1600" dirty="0"/>
                         <a:t>-</a:t>
                       </a:r>
                       <a:r>
-                        <a:rPr lang="ko-KR" altLang="en-US" sz="1600" dirty="0" smtClean="0"/>
+                        <a:rPr lang="ko-KR" altLang="en-US" sz="1600" dirty="0"/>
                         <a:t>게임엔진</a:t>
                       </a:r>
                       <a:r>
-                        <a:rPr lang="en-US" altLang="ko-KR" sz="1600" dirty="0" smtClean="0"/>
+                        <a:rPr lang="en-US" altLang="ko-KR" sz="1600" dirty="0"/>
                         <a:t>1,2 </a:t>
                       </a:r>
                       <a:r>
-                        <a:rPr lang="ko-KR" altLang="en-US" sz="1600" dirty="0" smtClean="0"/>
+                        <a:rPr lang="ko-KR" altLang="en-US" sz="1600" dirty="0"/>
                         <a:t>수강</a:t>
                       </a:r>
-                      <a:endParaRPr lang="en-US" altLang="ko-KR" sz="1600" dirty="0" smtClean="0"/>
+                      <a:endParaRPr lang="en-US" altLang="ko-KR" sz="1600" dirty="0"/>
                     </a:p>
                     <a:p>
                       <a:pPr latinLnBrk="1"/>
-                      <a:endParaRPr lang="en-US" altLang="ko-KR" sz="1600" dirty="0" smtClean="0"/>
+                      <a:endParaRPr lang="en-US" altLang="ko-KR" sz="1600" dirty="0"/>
                     </a:p>
                     <a:p>
                       <a:pPr latinLnBrk="1"/>
                       <a:r>
-                        <a:rPr lang="en-US" altLang="ko-KR" sz="1600" dirty="0" smtClean="0"/>
+                        <a:rPr lang="en-US" altLang="ko-KR" sz="1600" dirty="0"/>
                         <a:t>-</a:t>
                       </a:r>
                       <a:r>
-                        <a:rPr lang="ko-KR" altLang="en-US" sz="1600" dirty="0" smtClean="0"/>
+                        <a:rPr lang="ko-KR" altLang="en-US" sz="1600" dirty="0"/>
                         <a:t>네트워크</a:t>
                       </a:r>
-                      <a:endParaRPr lang="en-US" altLang="ko-KR" sz="1600" dirty="0" smtClean="0"/>
+                      <a:endParaRPr lang="en-US" altLang="ko-KR" sz="1600" dirty="0"/>
                     </a:p>
                     <a:p>
                       <a:pPr latinLnBrk="1"/>
                       <a:r>
-                        <a:rPr lang="ko-KR" altLang="en-US" sz="1600" dirty="0" smtClean="0"/>
+                        <a:rPr lang="ko-KR" altLang="en-US" sz="1600" dirty="0"/>
                         <a:t> 게임프로그래밍 수강</a:t>
                       </a:r>
-                      <a:endParaRPr lang="en-US" altLang="ko-KR" sz="1600" dirty="0" smtClean="0"/>
+                      <a:endParaRPr lang="en-US" altLang="ko-KR" sz="1600" dirty="0"/>
                     </a:p>
                     <a:p>
                       <a:pPr latinLnBrk="1"/>
-                      <a:endParaRPr lang="en-US" altLang="ko-KR" sz="1600" dirty="0" smtClean="0"/>
+                      <a:endParaRPr lang="en-US" altLang="ko-KR" sz="1600" dirty="0"/>
                     </a:p>
                     <a:p>
                       <a:pPr latinLnBrk="1"/>
                       <a:r>
-                        <a:rPr lang="en-US" altLang="ko-KR" sz="1600" dirty="0" smtClean="0"/>
+                        <a:rPr lang="en-US" altLang="ko-KR" sz="1600" dirty="0"/>
                         <a:t>-3D</a:t>
                       </a:r>
                       <a:r>
-                        <a:rPr lang="ko-KR" altLang="en-US" sz="1600" dirty="0" smtClean="0"/>
+                        <a:rPr lang="ko-KR" altLang="en-US" sz="1600" dirty="0"/>
                         <a:t>모델링</a:t>
                       </a:r>
                       <a:r>
-                        <a:rPr lang="en-US" altLang="ko-KR" sz="1600" dirty="0" smtClean="0"/>
+                        <a:rPr lang="en-US" altLang="ko-KR" sz="1600" dirty="0"/>
                         <a:t>1,2</a:t>
                       </a:r>
                       <a:r>
-                        <a:rPr lang="en-US" altLang="ko-KR" sz="1600" baseline="0" dirty="0" smtClean="0"/>
+                        <a:rPr lang="en-US" altLang="ko-KR" sz="1600" baseline="0" dirty="0"/>
                         <a:t> </a:t>
                       </a:r>
                       <a:r>
-                        <a:rPr lang="ko-KR" altLang="en-US" sz="1600" baseline="0" dirty="0" smtClean="0"/>
+                        <a:rPr lang="ko-KR" altLang="en-US" sz="1600" baseline="0" dirty="0"/>
                         <a:t>수강</a:t>
                       </a:r>
-                      <a:endParaRPr lang="en-US" altLang="ko-KR" sz="1600" baseline="0" dirty="0" smtClean="0"/>
+                      <a:endParaRPr lang="en-US" altLang="ko-KR" sz="1600" baseline="0" dirty="0"/>
                     </a:p>
                     <a:p>
                       <a:pPr latinLnBrk="1"/>
                       <a:r>
-                        <a:rPr lang="en-US" altLang="ko-KR" sz="1600" baseline="0" dirty="0" smtClean="0"/>
+                        <a:rPr lang="en-US" altLang="ko-KR" sz="1600" baseline="0" dirty="0"/>
                         <a:t>-</a:t>
                       </a:r>
                       <a:r>
-                        <a:rPr lang="ko-KR" altLang="en-US" sz="1600" baseline="0" dirty="0" smtClean="0"/>
+                        <a:rPr lang="ko-KR" altLang="en-US" sz="1600" baseline="0" dirty="0"/>
                         <a:t>애니메이션</a:t>
                       </a:r>
                       <a:r>
-                        <a:rPr lang="en-US" altLang="ko-KR" sz="1600" baseline="0" dirty="0" smtClean="0"/>
+                        <a:rPr lang="en-US" altLang="ko-KR" sz="1600" baseline="0" dirty="0"/>
                         <a:t>1 </a:t>
                       </a:r>
                       <a:r>
-                        <a:rPr lang="ko-KR" altLang="en-US" sz="1600" baseline="0" dirty="0" smtClean="0"/>
+                        <a:rPr lang="ko-KR" altLang="en-US" sz="1600" baseline="0" dirty="0"/>
                         <a:t>수강</a:t>
                       </a:r>
-                      <a:endParaRPr lang="en-US" altLang="ko-KR" sz="1600" dirty="0" smtClean="0"/>
+                      <a:endParaRPr lang="en-US" altLang="ko-KR" sz="1600" dirty="0"/>
                     </a:p>
                   </a:txBody>
                   <a:tcPr/>
@@ -4278,118 +4266,118 @@
                     <a:p>
                       <a:pPr latinLnBrk="1"/>
                       <a:r>
-                        <a:rPr lang="en-US" altLang="ko-KR" sz="1600" dirty="0" smtClean="0"/>
+                        <a:rPr lang="en-US" altLang="ko-KR" sz="1600" dirty="0"/>
                         <a:t>-C, C++ </a:t>
                       </a:r>
                       <a:r>
-                        <a:rPr lang="ko-KR" altLang="en-US" sz="1600" dirty="0" smtClean="0"/>
+                        <a:rPr lang="ko-KR" altLang="en-US" sz="1600" dirty="0"/>
                         <a:t>프로그래밍 수강</a:t>
                       </a:r>
-                      <a:endParaRPr lang="en-US" altLang="ko-KR" sz="1600" dirty="0" smtClean="0"/>
+                      <a:endParaRPr lang="en-US" altLang="ko-KR" sz="1600" dirty="0"/>
                     </a:p>
                     <a:p>
                       <a:pPr latinLnBrk="1"/>
                       <a:r>
-                        <a:rPr lang="en-US" altLang="ko-KR" sz="1600" dirty="0" smtClean="0"/>
+                        <a:rPr lang="en-US" altLang="ko-KR" sz="1600" dirty="0"/>
                         <a:t>-STL </a:t>
                       </a:r>
                       <a:r>
-                        <a:rPr lang="ko-KR" altLang="en-US" sz="1600" dirty="0" smtClean="0"/>
+                        <a:rPr lang="ko-KR" altLang="en-US" sz="1600" dirty="0"/>
                         <a:t>수강</a:t>
                       </a:r>
-                      <a:endParaRPr lang="en-US" altLang="ko-KR" sz="1600" dirty="0" smtClean="0"/>
+                      <a:endParaRPr lang="en-US" altLang="ko-KR" sz="1600" dirty="0"/>
                     </a:p>
                     <a:p>
                       <a:pPr latinLnBrk="1"/>
                       <a:r>
-                        <a:rPr lang="en-US" altLang="ko-KR" sz="1600" dirty="0" smtClean="0"/>
+                        <a:rPr lang="en-US" altLang="ko-KR" sz="1600" dirty="0"/>
                         <a:t>-</a:t>
                       </a:r>
                       <a:r>
-                        <a:rPr lang="ko-KR" altLang="en-US" sz="1600" dirty="0" smtClean="0"/>
+                        <a:rPr lang="ko-KR" altLang="en-US" sz="1600" dirty="0"/>
                         <a:t>게임엔진</a:t>
                       </a:r>
                       <a:r>
-                        <a:rPr lang="en-US" altLang="ko-KR" sz="1600" dirty="0" smtClean="0"/>
+                        <a:rPr lang="en-US" altLang="ko-KR" sz="1600" dirty="0"/>
                         <a:t>1,2 </a:t>
                       </a:r>
                       <a:r>
-                        <a:rPr lang="ko-KR" altLang="en-US" sz="1600" dirty="0" smtClean="0"/>
+                        <a:rPr lang="ko-KR" altLang="en-US" sz="1600" dirty="0"/>
                         <a:t>수강</a:t>
                       </a:r>
-                      <a:endParaRPr lang="en-US" altLang="ko-KR" sz="1600" dirty="0" smtClean="0"/>
+                      <a:endParaRPr lang="en-US" altLang="ko-KR" sz="1600" dirty="0"/>
                     </a:p>
                     <a:p>
                       <a:pPr latinLnBrk="1"/>
-                      <a:endParaRPr lang="en-US" altLang="ko-KR" sz="1600" dirty="0" smtClean="0"/>
+                      <a:endParaRPr lang="en-US" altLang="ko-KR" sz="1600" dirty="0"/>
                     </a:p>
                     <a:p>
                       <a:pPr latinLnBrk="1"/>
                       <a:r>
-                        <a:rPr lang="en-US" altLang="ko-KR" sz="1600" dirty="0" smtClean="0"/>
+                        <a:rPr lang="en-US" altLang="ko-KR" sz="1600" dirty="0"/>
                         <a:t>-</a:t>
                       </a:r>
                       <a:r>
-                        <a:rPr lang="ko-KR" altLang="en-US" sz="1600" dirty="0" smtClean="0"/>
+                        <a:rPr lang="ko-KR" altLang="en-US" sz="1600" dirty="0"/>
                         <a:t>네트워크</a:t>
                       </a:r>
-                      <a:endParaRPr lang="en-US" altLang="ko-KR" sz="1600" dirty="0" smtClean="0"/>
+                      <a:endParaRPr lang="en-US" altLang="ko-KR" sz="1600" dirty="0"/>
                     </a:p>
                     <a:p>
                       <a:pPr latinLnBrk="1"/>
                       <a:r>
-                        <a:rPr lang="ko-KR" altLang="en-US" sz="1600" dirty="0" smtClean="0"/>
+                        <a:rPr lang="ko-KR" altLang="en-US" sz="1600" dirty="0"/>
                         <a:t> 게임프로그래밍 수강</a:t>
                       </a:r>
-                      <a:endParaRPr lang="en-US" altLang="ko-KR" sz="1600" dirty="0" smtClean="0"/>
+                      <a:endParaRPr lang="en-US" altLang="ko-KR" sz="1600" dirty="0"/>
                     </a:p>
                     <a:p>
                       <a:pPr latinLnBrk="1"/>
-                      <a:endParaRPr lang="en-US" altLang="ko-KR" sz="1600" dirty="0" smtClean="0"/>
+                      <a:endParaRPr lang="en-US" altLang="ko-KR" sz="1600" dirty="0"/>
                     </a:p>
                     <a:p>
                       <a:pPr latinLnBrk="1"/>
                       <a:r>
-                        <a:rPr lang="en-US" altLang="ko-KR" sz="1600" dirty="0" smtClean="0"/>
+                        <a:rPr lang="en-US" altLang="ko-KR" sz="1600" dirty="0"/>
                         <a:t>-3D</a:t>
                       </a:r>
                       <a:r>
-                        <a:rPr lang="ko-KR" altLang="en-US" sz="1600" dirty="0" smtClean="0"/>
+                        <a:rPr lang="ko-KR" altLang="en-US" sz="1600" dirty="0"/>
                         <a:t>모델링</a:t>
                       </a:r>
                       <a:r>
-                        <a:rPr lang="en-US" altLang="ko-KR" sz="1600" dirty="0" smtClean="0"/>
+                        <a:rPr lang="en-US" altLang="ko-KR" sz="1600" dirty="0"/>
                         <a:t>1,2</a:t>
                       </a:r>
                       <a:r>
-                        <a:rPr lang="en-US" altLang="ko-KR" sz="1600" baseline="0" dirty="0" smtClean="0"/>
+                        <a:rPr lang="en-US" altLang="ko-KR" sz="1600" baseline="0" dirty="0"/>
                         <a:t> </a:t>
                       </a:r>
                       <a:r>
-                        <a:rPr lang="ko-KR" altLang="en-US" sz="1600" baseline="0" dirty="0" smtClean="0"/>
+                        <a:rPr lang="ko-KR" altLang="en-US" sz="1600" baseline="0" dirty="0"/>
                         <a:t>수강</a:t>
                       </a:r>
-                      <a:endParaRPr lang="en-US" altLang="ko-KR" sz="1600" baseline="0" dirty="0" smtClean="0"/>
+                      <a:endParaRPr lang="en-US" altLang="ko-KR" sz="1600" baseline="0" dirty="0"/>
                     </a:p>
                     <a:p>
                       <a:pPr latinLnBrk="1"/>
                       <a:r>
-                        <a:rPr lang="en-US" altLang="ko-KR" sz="1600" baseline="0" dirty="0" smtClean="0"/>
+                        <a:rPr lang="en-US" altLang="ko-KR" sz="1600" baseline="0" dirty="0"/>
                         <a:t>-</a:t>
                       </a:r>
                       <a:r>
-                        <a:rPr lang="ko-KR" altLang="en-US" sz="1600" baseline="0" dirty="0" smtClean="0"/>
+                        <a:rPr lang="ko-KR" altLang="en-US" sz="1600" baseline="0" dirty="0"/>
                         <a:t>애니메이션</a:t>
                       </a:r>
                       <a:r>
-                        <a:rPr lang="en-US" altLang="ko-KR" sz="1600" baseline="0" dirty="0" smtClean="0"/>
+                        <a:rPr lang="en-US" altLang="ko-KR" sz="1600" baseline="0" dirty="0"/>
                         <a:t>1 </a:t>
                       </a:r>
                       <a:r>
-                        <a:rPr lang="ko-KR" altLang="en-US" sz="1600" baseline="0" dirty="0" smtClean="0"/>
+                        <a:rPr lang="ko-KR" altLang="en-US" sz="1600" baseline="0" dirty="0"/>
                         <a:t>수강</a:t>
                       </a:r>
-                      <a:endParaRPr lang="en-US" altLang="ko-KR" sz="1600" dirty="0" smtClean="0"/>
+                      <a:endParaRPr lang="en-US" altLang="ko-KR" sz="1600" dirty="0"/>
                     </a:p>
                     <a:p>
                       <a:pPr latinLnBrk="1"/>
@@ -4405,65 +4393,65 @@
                     <a:p>
                       <a:pPr latinLnBrk="1"/>
                       <a:r>
-                        <a:rPr lang="en-US" altLang="ko-KR" sz="1600" dirty="0" smtClean="0"/>
+                        <a:rPr lang="en-US" altLang="ko-KR" sz="1600" dirty="0"/>
                         <a:t>-C, C++ </a:t>
                       </a:r>
                       <a:r>
-                        <a:rPr lang="ko-KR" altLang="en-US" sz="1600" dirty="0" smtClean="0"/>
+                        <a:rPr lang="ko-KR" altLang="en-US" sz="1600" dirty="0"/>
                         <a:t>프로그래밍 수강</a:t>
                       </a:r>
-                      <a:endParaRPr lang="en-US" altLang="ko-KR" sz="1600" dirty="0" smtClean="0"/>
+                      <a:endParaRPr lang="en-US" altLang="ko-KR" sz="1600" dirty="0"/>
                     </a:p>
                     <a:p>
                       <a:pPr latinLnBrk="1"/>
                       <a:r>
-                        <a:rPr lang="en-US" altLang="ko-KR" sz="1600" dirty="0" smtClean="0"/>
+                        <a:rPr lang="en-US" altLang="ko-KR" sz="1600" dirty="0"/>
                         <a:t>-STL </a:t>
                       </a:r>
                       <a:r>
-                        <a:rPr lang="ko-KR" altLang="en-US" sz="1600" dirty="0" smtClean="0"/>
+                        <a:rPr lang="ko-KR" altLang="en-US" sz="1600" dirty="0"/>
                         <a:t>수강</a:t>
                       </a:r>
-                      <a:endParaRPr lang="en-US" altLang="ko-KR" sz="1600" dirty="0" smtClean="0"/>
+                      <a:endParaRPr lang="en-US" altLang="ko-KR" sz="1600" dirty="0"/>
                     </a:p>
                     <a:p>
                       <a:pPr latinLnBrk="1"/>
-                      <a:endParaRPr lang="en-US" altLang="ko-KR" sz="1600" dirty="0" smtClean="0"/>
+                      <a:endParaRPr lang="en-US" altLang="ko-KR" sz="1600" dirty="0"/>
                     </a:p>
                     <a:p>
                       <a:pPr latinLnBrk="1"/>
                       <a:r>
-                        <a:rPr lang="en-US" altLang="ko-KR" sz="1600" dirty="0" smtClean="0"/>
+                        <a:rPr lang="en-US" altLang="ko-KR" sz="1600" dirty="0"/>
                         <a:t>-</a:t>
                       </a:r>
                       <a:r>
-                        <a:rPr lang="ko-KR" altLang="en-US" sz="1600" dirty="0" smtClean="0"/>
+                        <a:rPr lang="ko-KR" altLang="en-US" sz="1600" dirty="0"/>
                         <a:t>네트워크</a:t>
                       </a:r>
                       <a:r>
-                        <a:rPr lang="ko-KR" altLang="en-US" sz="1600" baseline="0" dirty="0" smtClean="0"/>
+                        <a:rPr lang="ko-KR" altLang="en-US" sz="1600" baseline="0" dirty="0"/>
                         <a:t> </a:t>
                       </a:r>
-                      <a:endParaRPr lang="en-US" altLang="ko-KR" sz="1600" baseline="0" dirty="0" smtClean="0"/>
+                      <a:endParaRPr lang="en-US" altLang="ko-KR" sz="1600" baseline="0" dirty="0"/>
                     </a:p>
                     <a:p>
                       <a:pPr latinLnBrk="1"/>
                       <a:r>
-                        <a:rPr lang="en-US" altLang="ko-KR" sz="1600" baseline="0" dirty="0" smtClean="0"/>
+                        <a:rPr lang="en-US" altLang="ko-KR" sz="1600" baseline="0" dirty="0"/>
                         <a:t> </a:t>
                       </a:r>
                       <a:r>
-                        <a:rPr lang="ko-KR" altLang="en-US" sz="1600" baseline="0" dirty="0" smtClean="0"/>
+                        <a:rPr lang="ko-KR" altLang="en-US" sz="1600" baseline="0" dirty="0"/>
                         <a:t>게임프로그래밍 수강</a:t>
                       </a:r>
-                      <a:endParaRPr lang="en-US" altLang="ko-KR" sz="1600" baseline="0" dirty="0" smtClean="0"/>
+                      <a:endParaRPr lang="en-US" altLang="ko-KR" sz="1600" baseline="0" dirty="0"/>
                     </a:p>
                     <a:p>
                       <a:pPr marL="0" indent="0" latinLnBrk="1">
                         <a:buFontTx/>
                         <a:buNone/>
                       </a:pPr>
-                      <a:endParaRPr lang="en-US" altLang="ko-KR" sz="1600" baseline="0" dirty="0" smtClean="0"/>
+                      <a:endParaRPr lang="en-US" altLang="ko-KR" sz="1600" baseline="0" dirty="0"/>
                     </a:p>
                     <a:p>
                       <a:pPr marL="0" indent="0" latinLnBrk="1">
@@ -4471,14 +4459,14 @@
                         <a:buNone/>
                       </a:pPr>
                       <a:r>
-                        <a:rPr lang="en-US" altLang="ko-KR" sz="1600" baseline="0" dirty="0" smtClean="0"/>
+                        <a:rPr lang="en-US" altLang="ko-KR" sz="1600" baseline="0" dirty="0"/>
                         <a:t>-</a:t>
                       </a:r>
                       <a:r>
-                        <a:rPr lang="ko-KR" altLang="en-US" sz="1600" baseline="0" dirty="0" smtClean="0"/>
+                        <a:rPr lang="ko-KR" altLang="en-US" sz="1600" baseline="0" dirty="0"/>
                         <a:t>게임 서버 </a:t>
                       </a:r>
-                      <a:endParaRPr lang="en-US" altLang="ko-KR" sz="1600" baseline="0" dirty="0" smtClean="0"/>
+                      <a:endParaRPr lang="en-US" altLang="ko-KR" sz="1600" baseline="0" dirty="0"/>
                     </a:p>
                     <a:p>
                       <a:pPr marL="0" indent="0" latinLnBrk="1">
@@ -4486,21 +4474,21 @@
                         <a:buNone/>
                       </a:pPr>
                       <a:r>
-                        <a:rPr lang="en-US" altLang="ko-KR" sz="1600" baseline="0" dirty="0" smtClean="0"/>
+                        <a:rPr lang="en-US" altLang="ko-KR" sz="1600" baseline="0" dirty="0"/>
                         <a:t> </a:t>
                       </a:r>
                       <a:r>
-                        <a:rPr lang="ko-KR" altLang="en-US" sz="1600" baseline="0" dirty="0" smtClean="0"/>
+                        <a:rPr lang="ko-KR" altLang="en-US" sz="1600" baseline="0" dirty="0"/>
                         <a:t>프로그래밍 수강</a:t>
                       </a:r>
-                      <a:endParaRPr lang="en-US" altLang="ko-KR" sz="1600" dirty="0" smtClean="0"/>
+                      <a:endParaRPr lang="en-US" altLang="ko-KR" sz="1600" dirty="0"/>
                     </a:p>
                     <a:p>
                       <a:pPr marL="0" indent="0" latinLnBrk="1">
                         <a:buFontTx/>
                         <a:buNone/>
                       </a:pPr>
-                      <a:endParaRPr lang="en-US" altLang="ko-KR" sz="1600" dirty="0" smtClean="0"/>
+                      <a:endParaRPr lang="en-US" altLang="ko-KR" sz="1600" dirty="0"/>
                     </a:p>
                     <a:p>
                       <a:pPr marL="0" indent="0" latinLnBrk="1">
@@ -4508,22 +4496,22 @@
                         <a:buNone/>
                       </a:pPr>
                       <a:r>
-                        <a:rPr lang="en-US" altLang="ko-KR" sz="1600" dirty="0" smtClean="0"/>
+                        <a:rPr lang="en-US" altLang="ko-KR" sz="1600" dirty="0"/>
                         <a:t>-</a:t>
                       </a:r>
                       <a:r>
-                        <a:rPr lang="ko-KR" altLang="en-US" sz="1600" dirty="0" smtClean="0"/>
+                        <a:rPr lang="ko-KR" altLang="en-US" sz="1600" dirty="0"/>
                         <a:t>게임엔진</a:t>
                       </a:r>
                       <a:r>
-                        <a:rPr lang="en-US" altLang="ko-KR" sz="1600" dirty="0" smtClean="0"/>
+                        <a:rPr lang="en-US" altLang="ko-KR" sz="1600" dirty="0"/>
                         <a:t>1 </a:t>
                       </a:r>
                       <a:r>
-                        <a:rPr lang="ko-KR" altLang="en-US" sz="1600" dirty="0" smtClean="0"/>
+                        <a:rPr lang="ko-KR" altLang="en-US" sz="1600" dirty="0"/>
                         <a:t>수강</a:t>
                       </a:r>
-                      <a:endParaRPr lang="en-US" altLang="ko-KR" sz="1600" dirty="0" smtClean="0"/>
+                      <a:endParaRPr lang="en-US" altLang="ko-KR" sz="1600" dirty="0"/>
                     </a:p>
                     <a:p>
                       <a:pPr marL="0" indent="0" latinLnBrk="1">
@@ -4531,19 +4519,19 @@
                         <a:buNone/>
                       </a:pPr>
                       <a:r>
-                        <a:rPr lang="en-US" altLang="ko-KR" sz="1600" dirty="0" smtClean="0"/>
+                        <a:rPr lang="en-US" altLang="ko-KR" sz="1600" dirty="0"/>
                         <a:t>-3D</a:t>
                       </a:r>
                       <a:r>
-                        <a:rPr lang="ko-KR" altLang="en-US" sz="1600" baseline="0" dirty="0" smtClean="0"/>
+                        <a:rPr lang="ko-KR" altLang="en-US" sz="1600" baseline="0" dirty="0"/>
                         <a:t>모델링</a:t>
                       </a:r>
                       <a:r>
-                        <a:rPr lang="en-US" altLang="ko-KR" sz="1600" baseline="0" dirty="0" smtClean="0"/>
+                        <a:rPr lang="en-US" altLang="ko-KR" sz="1600" baseline="0" dirty="0"/>
                         <a:t>1 </a:t>
                       </a:r>
                       <a:r>
-                        <a:rPr lang="ko-KR" altLang="en-US" sz="1600" baseline="0" dirty="0" smtClean="0"/>
+                        <a:rPr lang="ko-KR" altLang="en-US" sz="1600" baseline="0" dirty="0"/>
                         <a:t>수강</a:t>
                       </a:r>
                       <a:endParaRPr lang="ko-KR" altLang="en-US" sz="1600" dirty="0"/>
@@ -4558,98 +4546,98 @@
                     <a:p>
                       <a:pPr latinLnBrk="1"/>
                       <a:r>
-                        <a:rPr lang="en-US" altLang="ko-KR" sz="1600" dirty="0" smtClean="0"/>
+                        <a:rPr lang="en-US" altLang="ko-KR" sz="1600" dirty="0"/>
                         <a:t>-C, C++ </a:t>
                       </a:r>
                       <a:r>
-                        <a:rPr lang="ko-KR" altLang="en-US" sz="1600" dirty="0" smtClean="0"/>
+                        <a:rPr lang="ko-KR" altLang="en-US" sz="1600" dirty="0"/>
                         <a:t>프로그래밍 수강</a:t>
                       </a:r>
-                      <a:endParaRPr lang="en-US" altLang="ko-KR" sz="1600" dirty="0" smtClean="0"/>
+                      <a:endParaRPr lang="en-US" altLang="ko-KR" sz="1600" dirty="0"/>
                     </a:p>
                     <a:p>
                       <a:pPr latinLnBrk="1"/>
                       <a:r>
-                        <a:rPr lang="en-US" altLang="ko-KR" sz="1600" dirty="0" smtClean="0"/>
+                        <a:rPr lang="en-US" altLang="ko-KR" sz="1600" dirty="0"/>
                         <a:t>-STL</a:t>
                       </a:r>
                       <a:r>
-                        <a:rPr lang="en-US" altLang="ko-KR" sz="1600" baseline="0" dirty="0" smtClean="0"/>
+                        <a:rPr lang="en-US" altLang="ko-KR" sz="1600" baseline="0" dirty="0"/>
                         <a:t> </a:t>
                       </a:r>
                       <a:r>
-                        <a:rPr lang="ko-KR" altLang="en-US" sz="1600" baseline="0" dirty="0" smtClean="0"/>
+                        <a:rPr lang="ko-KR" altLang="en-US" sz="1600" baseline="0" dirty="0"/>
                         <a:t>수강</a:t>
                       </a:r>
-                      <a:endParaRPr lang="en-US" altLang="ko-KR" sz="1600" baseline="0" dirty="0" smtClean="0"/>
+                      <a:endParaRPr lang="en-US" altLang="ko-KR" sz="1600" baseline="0" dirty="0"/>
                     </a:p>
                     <a:p>
                       <a:pPr latinLnBrk="1"/>
                       <a:r>
-                        <a:rPr lang="en-US" altLang="ko-KR" sz="1600" baseline="0" dirty="0" smtClean="0"/>
+                        <a:rPr lang="en-US" altLang="ko-KR" sz="1600" baseline="0" dirty="0"/>
                         <a:t>-</a:t>
                       </a:r>
                       <a:r>
-                        <a:rPr lang="ko-KR" altLang="en-US" sz="1600" baseline="0" dirty="0" smtClean="0"/>
+                        <a:rPr lang="ko-KR" altLang="en-US" sz="1600" baseline="0" dirty="0"/>
                         <a:t>게임엔진</a:t>
                       </a:r>
                       <a:r>
-                        <a:rPr lang="en-US" altLang="ko-KR" sz="1600" baseline="0" dirty="0" smtClean="0"/>
+                        <a:rPr lang="en-US" altLang="ko-KR" sz="1600" baseline="0" dirty="0"/>
                         <a:t>1,2 </a:t>
                       </a:r>
                       <a:r>
-                        <a:rPr lang="ko-KR" altLang="en-US" sz="1600" baseline="0" dirty="0" smtClean="0"/>
+                        <a:rPr lang="ko-KR" altLang="en-US" sz="1600" baseline="0" dirty="0"/>
                         <a:t>수강</a:t>
                       </a:r>
-                      <a:endParaRPr lang="en-US" altLang="ko-KR" sz="1600" baseline="0" dirty="0" smtClean="0"/>
+                      <a:endParaRPr lang="en-US" altLang="ko-KR" sz="1600" baseline="0" dirty="0"/>
                     </a:p>
                     <a:p>
                       <a:pPr latinLnBrk="1"/>
-                      <a:endParaRPr lang="en-US" altLang="ko-KR" sz="1600" baseline="0" dirty="0" smtClean="0"/>
+                      <a:endParaRPr lang="en-US" altLang="ko-KR" sz="1600" baseline="0" dirty="0"/>
                     </a:p>
                     <a:p>
                       <a:pPr latinLnBrk="1"/>
                       <a:r>
-                        <a:rPr lang="en-US" altLang="ko-KR" sz="1600" baseline="0" dirty="0" smtClean="0"/>
+                        <a:rPr lang="en-US" altLang="ko-KR" sz="1600" baseline="0" dirty="0"/>
                         <a:t>-3D</a:t>
                       </a:r>
                       <a:r>
-                        <a:rPr lang="ko-KR" altLang="en-US" sz="1600" baseline="0" dirty="0" smtClean="0"/>
+                        <a:rPr lang="ko-KR" altLang="en-US" sz="1600" baseline="0" dirty="0"/>
                         <a:t>모델링</a:t>
                       </a:r>
                       <a:r>
-                        <a:rPr lang="en-US" altLang="ko-KR" sz="1600" baseline="0" dirty="0" smtClean="0"/>
+                        <a:rPr lang="en-US" altLang="ko-KR" sz="1600" baseline="0" dirty="0"/>
                         <a:t>1,2 </a:t>
                       </a:r>
                       <a:r>
-                        <a:rPr lang="ko-KR" altLang="en-US" sz="1600" baseline="0" dirty="0" smtClean="0"/>
+                        <a:rPr lang="ko-KR" altLang="en-US" sz="1600" baseline="0" dirty="0"/>
                         <a:t>수강</a:t>
                       </a:r>
-                      <a:endParaRPr lang="en-US" altLang="ko-KR" sz="1600" baseline="0" dirty="0" smtClean="0"/>
+                      <a:endParaRPr lang="en-US" altLang="ko-KR" sz="1600" baseline="0" dirty="0"/>
                     </a:p>
                     <a:p>
                       <a:pPr latinLnBrk="1"/>
                       <a:r>
-                        <a:rPr lang="en-US" altLang="ko-KR" sz="1600" baseline="0" dirty="0" smtClean="0"/>
+                        <a:rPr lang="en-US" altLang="ko-KR" sz="1600" baseline="0" dirty="0"/>
                         <a:t>-</a:t>
                       </a:r>
                       <a:r>
-                        <a:rPr lang="ko-KR" altLang="en-US" sz="1600" baseline="0" dirty="0" smtClean="0"/>
+                        <a:rPr lang="ko-KR" altLang="en-US" sz="1600" baseline="0" dirty="0"/>
                         <a:t>애니메이션</a:t>
                       </a:r>
                       <a:r>
-                        <a:rPr lang="en-US" altLang="ko-KR" sz="1600" baseline="0" dirty="0" smtClean="0"/>
+                        <a:rPr lang="en-US" altLang="ko-KR" sz="1600" baseline="0" dirty="0"/>
                         <a:t>1,2 </a:t>
                       </a:r>
                       <a:r>
-                        <a:rPr lang="ko-KR" altLang="en-US" sz="1600" baseline="0" dirty="0" smtClean="0"/>
+                        <a:rPr lang="ko-KR" altLang="en-US" sz="1600" baseline="0" dirty="0"/>
                         <a:t>수강</a:t>
                       </a:r>
-                      <a:endParaRPr lang="en-US" altLang="ko-KR" sz="1600" baseline="0" dirty="0" smtClean="0"/>
+                      <a:endParaRPr lang="en-US" altLang="ko-KR" sz="1600" baseline="0" dirty="0"/>
                     </a:p>
                     <a:p>
                       <a:pPr latinLnBrk="1"/>
-                      <a:endParaRPr lang="en-US" altLang="ko-KR" sz="1600" baseline="0" dirty="0" smtClean="0"/>
+                      <a:endParaRPr lang="en-US" altLang="ko-KR" sz="1600" baseline="0" dirty="0"/>
                     </a:p>
                     <a:p>
                       <a:pPr latinLnBrk="1"/>
@@ -4691,14 +4679,10 @@
             <a:pPr algn="ctr"/>
             <a:r>
               <a:rPr lang="en-US" altLang="ko-KR" b="1" dirty="0"/>
-              <a:t>5</a:t>
-            </a:r>
-            <a:r>
-              <a:rPr lang="en-US" altLang="ko-KR" b="1" dirty="0" smtClean="0"/>
-              <a:t>. </a:t>
-            </a:r>
-            <a:r>
-              <a:rPr lang="ko-KR" altLang="en-US" b="1" dirty="0" smtClean="0"/>
+              <a:t>5. </a:t>
+            </a:r>
+            <a:r>
+              <a:rPr lang="ko-KR" altLang="en-US" b="1" dirty="0"/>
               <a:t>개인별 준비 현황</a:t>
             </a:r>
             <a:endParaRPr lang="ko-KR" altLang="en-US" dirty="0"/>
@@ -4715,13 +4699,6 @@
   <p:clrMapOvr>
     <a:masterClrMapping/>
   </p:clrMapOvr>
-  <p:timing>
-    <p:tnLst>
-      <p:par>
-        <p:cTn id="1" dur="indefinite" restart="never" nodeType="tmRoot"/>
-      </p:par>
-    </p:tnLst>
-  </p:timing>
 </p:sld>
 </file>
 
@@ -4760,74 +4737,74 @@
           <a:lstStyle/>
           <a:p>
             <a:r>
-              <a:rPr lang="en-US" altLang="ko-KR" b="1" dirty="0" smtClean="0"/>
+              <a:rPr lang="en-US" altLang="ko-KR" b="1" dirty="0"/>
               <a:t>-</a:t>
             </a:r>
             <a:r>
-              <a:rPr lang="ko-KR" altLang="en-US" b="1" dirty="0" smtClean="0"/>
+              <a:rPr lang="ko-KR" altLang="en-US" b="1" dirty="0"/>
               <a:t>성장 시스템 차별화</a:t>
             </a:r>
-            <a:endParaRPr lang="en-US" altLang="ko-KR" b="1" dirty="0" smtClean="0"/>
+            <a:endParaRPr lang="en-US" altLang="ko-KR" b="1" dirty="0"/>
           </a:p>
           <a:p>
             <a:endParaRPr lang="en-US" altLang="ko-KR" dirty="0"/>
           </a:p>
           <a:p>
             <a:r>
-              <a:rPr lang="en-US" altLang="ko-KR" b="1" dirty="0" smtClean="0"/>
+              <a:rPr lang="en-US" altLang="ko-KR" b="1" dirty="0"/>
               <a:t>-</a:t>
             </a:r>
             <a:r>
-              <a:rPr lang="ko-KR" altLang="en-US" b="1" dirty="0" smtClean="0"/>
+              <a:rPr lang="ko-KR" altLang="en-US" b="1" dirty="0"/>
               <a:t>역동적인 시각 효과</a:t>
             </a:r>
-            <a:endParaRPr lang="en-US" altLang="ko-KR" b="1" dirty="0" smtClean="0"/>
-          </a:p>
-          <a:p>
-            <a:endParaRPr lang="en-US" altLang="ko-KR" b="1" dirty="0" smtClean="0"/>
+            <a:endParaRPr lang="en-US" altLang="ko-KR" b="1" dirty="0"/>
+          </a:p>
+          <a:p>
+            <a:endParaRPr lang="en-US" altLang="ko-KR" b="1" dirty="0"/>
           </a:p>
           <a:p>
             <a:pPr marL="0" indent="0">
               <a:buNone/>
             </a:pPr>
             <a:r>
-              <a:rPr lang="ko-KR" altLang="en-US" b="1" dirty="0" smtClean="0"/>
+              <a:rPr lang="ko-KR" altLang="en-US" b="1" dirty="0"/>
               <a:t> </a:t>
             </a:r>
             <a:r>
-              <a:rPr lang="en-US" altLang="ko-KR" b="1" dirty="0" smtClean="0"/>
+              <a:rPr lang="en-US" altLang="ko-KR" b="1" dirty="0"/>
               <a:t>-</a:t>
             </a:r>
             <a:r>
-              <a:rPr lang="ko-KR" altLang="en-US" b="1" dirty="0" smtClean="0"/>
+              <a:rPr lang="ko-KR" altLang="en-US" b="1" dirty="0"/>
               <a:t>오브젝트와의 상호작용</a:t>
             </a:r>
-            <a:endParaRPr lang="en-US" altLang="ko-KR" b="1" dirty="0" smtClean="0"/>
-          </a:p>
-          <a:p>
             <a:endParaRPr lang="en-US" altLang="ko-KR" b="1" dirty="0"/>
           </a:p>
           <a:p>
-            <a:r>
-              <a:rPr lang="en-US" altLang="ko-KR" b="1" dirty="0" smtClean="0"/>
+            <a:endParaRPr lang="en-US" altLang="ko-KR" b="1" dirty="0"/>
+          </a:p>
+          <a:p>
+            <a:r>
+              <a:rPr lang="en-US" altLang="ko-KR" b="1" dirty="0"/>
               <a:t>-</a:t>
             </a:r>
             <a:r>
-              <a:rPr lang="ko-KR" altLang="en-US" b="1" dirty="0" smtClean="0"/>
+              <a:rPr lang="ko-KR" altLang="en-US" b="1" dirty="0"/>
               <a:t>협동 컨텐츠</a:t>
             </a:r>
-            <a:endParaRPr lang="en-US" altLang="ko-KR" b="1" dirty="0" smtClean="0"/>
-          </a:p>
-          <a:p>
             <a:endParaRPr lang="en-US" altLang="ko-KR" b="1" dirty="0"/>
           </a:p>
           <a:p>
-            <a:r>
-              <a:rPr lang="en-US" altLang="ko-KR" b="1" dirty="0" smtClean="0"/>
+            <a:endParaRPr lang="en-US" altLang="ko-KR" b="1" dirty="0"/>
+          </a:p>
+          <a:p>
+            <a:r>
+              <a:rPr lang="en-US" altLang="ko-KR" b="1" dirty="0"/>
               <a:t>-</a:t>
             </a:r>
             <a:r>
-              <a:rPr lang="ko-KR" altLang="en-US" b="1" dirty="0" smtClean="0"/>
+              <a:rPr lang="ko-KR" altLang="en-US" b="1" dirty="0"/>
               <a:t>플레이 스타일의 다양성</a:t>
             </a:r>
             <a:endParaRPr lang="en-US" altLang="ko-KR" b="1" dirty="0"/>
@@ -4836,10 +4813,10 @@
             <a:endParaRPr lang="en-US" altLang="ko-KR" b="1" dirty="0"/>
           </a:p>
           <a:p>
-            <a:endParaRPr lang="en-US" altLang="ko-KR" dirty="0" smtClean="0"/>
-          </a:p>
-          <a:p>
-            <a:endParaRPr lang="en-US" altLang="ko-KR" dirty="0" smtClean="0"/>
+            <a:endParaRPr lang="en-US" altLang="ko-KR" dirty="0"/>
+          </a:p>
+          <a:p>
+            <a:endParaRPr lang="en-US" altLang="ko-KR" dirty="0"/>
           </a:p>
           <a:p>
             <a:endParaRPr lang="en-US" altLang="ko-KR" dirty="0"/>
@@ -4871,11 +4848,11 @@
           <a:p>
             <a:pPr algn="ctr"/>
             <a:r>
-              <a:rPr lang="en-US" altLang="ko-KR" b="1" dirty="0" smtClean="0"/>
+              <a:rPr lang="en-US" altLang="ko-KR" b="1" dirty="0"/>
               <a:t>6. </a:t>
             </a:r>
             <a:r>
-              <a:rPr lang="ko-KR" altLang="en-US" b="1" dirty="0" smtClean="0"/>
+              <a:rPr lang="ko-KR" altLang="en-US" b="1" dirty="0"/>
               <a:t>타 게임과의 차별성</a:t>
             </a:r>
             <a:endParaRPr lang="ko-KR" altLang="en-US" dirty="0"/>
@@ -4892,13 +4869,6 @@
   <p:clrMapOvr>
     <a:masterClrMapping/>
   </p:clrMapOvr>
-  <p:timing>
-    <p:tnLst>
-      <p:par>
-        <p:cTn id="1" dur="indefinite" restart="never" nodeType="tmRoot"/>
-      </p:par>
-    </p:tnLst>
-  </p:timing>
 </p:sld>
 </file>
 
@@ -4942,14 +4912,10 @@
             <a:pPr algn="ctr"/>
             <a:r>
               <a:rPr lang="en-US" altLang="ko-KR" b="1" dirty="0"/>
-              <a:t>7</a:t>
-            </a:r>
-            <a:r>
-              <a:rPr lang="en-US" altLang="ko-KR" b="1" dirty="0" smtClean="0"/>
-              <a:t>. </a:t>
-            </a:r>
-            <a:r>
-              <a:rPr lang="ko-KR" altLang="en-US" b="1" dirty="0" smtClean="0"/>
+              <a:t>7. </a:t>
+            </a:r>
+            <a:r>
+              <a:rPr lang="ko-KR" altLang="en-US" b="1" dirty="0"/>
               <a:t>역할분담 및 일정</a:t>
             </a:r>
             <a:endParaRPr lang="ko-KR" altLang="en-US" dirty="0"/>
@@ -4966,13 +4932,6 @@
   <p:clrMapOvr>
     <a:masterClrMapping/>
   </p:clrMapOvr>
-  <p:timing>
-    <p:tnLst>
-      <p:par>
-        <p:cTn id="1" dur="indefinite" restart="never" nodeType="tmRoot"/>
-      </p:par>
-    </p:tnLst>
-  </p:timing>
 </p:sld>
 </file>
 
@@ -5015,14 +4974,13 @@
           <a:p>
             <a:pPr algn="ctr"/>
             <a:r>
-              <a:rPr lang="en-US" altLang="ko-KR" b="1" dirty="0" smtClean="0"/>
+              <a:rPr lang="en-US" altLang="ko-KR" b="1" dirty="0"/>
               <a:t>1. </a:t>
             </a:r>
             <a:r>
-              <a:rPr lang="ko-KR" altLang="en-US" b="1" dirty="0" smtClean="0"/>
+              <a:rPr lang="ko-KR" altLang="en-US" b="1" dirty="0"/>
               <a:t>연구목적</a:t>
             </a:r>
-            <a:endParaRPr lang="ko-KR" altLang="en-US" b="1" dirty="0"/>
           </a:p>
         </p:txBody>
       </p:sp>
@@ -5048,24 +5006,20 @@
           </a:bodyPr>
           <a:lstStyle/>
           <a:p>
-            <a:endParaRPr lang="en-US" altLang="ko-KR" dirty="0" smtClean="0"/>
-          </a:p>
-          <a:p>
-            <a:r>
-              <a:rPr lang="en-US" altLang="ko-KR" dirty="0" smtClean="0"/>
+            <a:endParaRPr lang="en-US" altLang="ko-KR" dirty="0"/>
+          </a:p>
+          <a:p>
+            <a:r>
+              <a:rPr lang="en-US" altLang="ko-KR" dirty="0"/>
               <a:t>1. </a:t>
             </a:r>
             <a:r>
-              <a:rPr lang="ko-KR" altLang="en-US" dirty="0" err="1" smtClean="0"/>
+              <a:rPr lang="ko-KR" altLang="en-US" dirty="0" err="1"/>
               <a:t>유니티를</a:t>
             </a:r>
             <a:r>
-              <a:rPr lang="ko-KR" altLang="en-US" dirty="0" smtClean="0"/>
-              <a:t> </a:t>
-            </a:r>
-            <a:r>
               <a:rPr lang="ko-KR" altLang="en-US" dirty="0"/>
-              <a:t>이용한 </a:t>
+              <a:t> 이용한 </a:t>
             </a:r>
             <a:r>
               <a:rPr lang="en-US" altLang="ko-KR" dirty="0"/>
@@ -5079,11 +5033,7 @@
           <a:p>
             <a:r>
               <a:rPr lang="en-US" altLang="ko-KR" dirty="0"/>
-              <a:t>- </a:t>
-            </a:r>
-            <a:r>
-              <a:rPr lang="en-US" altLang="ko-KR" dirty="0" smtClean="0"/>
-              <a:t>3D </a:t>
+              <a:t>- 3D </a:t>
             </a:r>
             <a:r>
               <a:rPr lang="ko-KR" altLang="en-US" dirty="0"/>
@@ -5095,7 +5045,7 @@
           </a:p>
           <a:p>
             <a:r>
-              <a:rPr lang="en-US" altLang="ko-KR" dirty="0" smtClean="0"/>
+              <a:rPr lang="en-US" altLang="ko-KR" dirty="0"/>
               <a:t>2. C# </a:t>
             </a:r>
             <a:r>
@@ -5122,16 +5072,12 @@
           </a:p>
           <a:p>
             <a:r>
-              <a:rPr lang="en-US" altLang="ko-KR" dirty="0" smtClean="0"/>
+              <a:rPr lang="en-US" altLang="ko-KR" dirty="0"/>
               <a:t>3. </a:t>
             </a:r>
             <a:r>
-              <a:rPr lang="ko-KR" altLang="en-US" dirty="0" smtClean="0"/>
-              <a:t>그래픽 </a:t>
-            </a:r>
-            <a:r>
               <a:rPr lang="ko-KR" altLang="en-US" dirty="0"/>
-              <a:t>기술 구현 능력 배양 </a:t>
+              <a:t>그래픽 기술 구현 능력 배양 </a:t>
             </a:r>
           </a:p>
           <a:p>
@@ -5181,13 +5127,6 @@
   <p:clrMapOvr>
     <a:masterClrMapping/>
   </p:clrMapOvr>
-  <p:timing>
-    <p:tnLst>
-      <p:par>
-        <p:cTn id="1" dur="indefinite" restart="never" nodeType="tmRoot"/>
-      </p:par>
-    </p:tnLst>
-  </p:timing>
 </p:sld>
 </file>
 
@@ -5230,11 +5169,11 @@
           <a:p>
             <a:pPr algn="ctr"/>
             <a:r>
-              <a:rPr lang="en-US" altLang="ko-KR" b="1" dirty="0" smtClean="0"/>
+              <a:rPr lang="en-US" altLang="ko-KR" b="1" dirty="0"/>
               <a:t>2. </a:t>
             </a:r>
             <a:r>
-              <a:rPr lang="ko-KR" altLang="en-US" b="1" dirty="0" smtClean="0"/>
+              <a:rPr lang="ko-KR" altLang="en-US" b="1" dirty="0"/>
               <a:t>게임소개 및 방법</a:t>
             </a:r>
             <a:endParaRPr lang="ko-KR" altLang="en-US" dirty="0"/>
@@ -5266,22 +5205,17 @@
               <a:buNone/>
             </a:pPr>
             <a:r>
-              <a:rPr lang="ko-KR" altLang="en-US" b="1" dirty="0" smtClean="0"/>
+              <a:rPr lang="ko-KR" altLang="en-US" b="1" dirty="0"/>
               <a:t>장르</a:t>
             </a:r>
             <a:r>
-              <a:rPr lang="ko-KR" altLang="en-US" dirty="0" smtClean="0"/>
+              <a:rPr lang="ko-KR" altLang="en-US" dirty="0"/>
               <a:t> </a:t>
             </a:r>
             <a:r>
               <a:rPr lang="en-US" altLang="ko-KR" dirty="0"/>
-              <a:t>: FPS </a:t>
-            </a:r>
-            <a:r>
-              <a:rPr lang="en-US" altLang="ko-KR" dirty="0" smtClean="0"/>
-              <a:t>RPG</a:t>
-            </a:r>
-            <a:endParaRPr lang="en-US" altLang="ko-KR" dirty="0"/>
+              <a:t>: FPS RPG</a:t>
+            </a:r>
           </a:p>
           <a:p>
             <a:pPr marL="201168" lvl="1" indent="0">
@@ -5297,13 +5231,8 @@
             </a:r>
             <a:r>
               <a:rPr lang="en-US" altLang="ko-KR" dirty="0"/>
-              <a:t>: </a:t>
-            </a:r>
-            <a:r>
-              <a:rPr lang="en-US" altLang="ko-KR" dirty="0" smtClean="0"/>
-              <a:t>PC</a:t>
-            </a:r>
-            <a:endParaRPr lang="en-US" altLang="ko-KR" dirty="0"/>
+              <a:t>: PC</a:t>
+            </a:r>
           </a:p>
           <a:p>
             <a:pPr marL="201168" lvl="1" indent="0">
@@ -5331,14 +5260,14 @@
               <a:buNone/>
             </a:pPr>
             <a:r>
-              <a:rPr lang="en-US" altLang="ko-KR" dirty="0" smtClean="0"/>
+              <a:rPr lang="en-US" altLang="ko-KR" dirty="0"/>
               <a:t>					</a:t>
             </a:r>
             <a:r>
-              <a:rPr lang="ko-KR" altLang="en-US" dirty="0" smtClean="0"/>
+              <a:rPr lang="ko-KR" altLang="en-US" dirty="0"/>
               <a:t>사진 하나 추가할 것</a:t>
             </a:r>
-            <a:endParaRPr lang="en-US" altLang="ko-KR" dirty="0" smtClean="0"/>
+            <a:endParaRPr lang="en-US" altLang="ko-KR" dirty="0"/>
           </a:p>
           <a:p>
             <a:pPr lvl="1"/>
@@ -5356,13 +5285,6 @@
   <p:clrMapOvr>
     <a:masterClrMapping/>
   </p:clrMapOvr>
-  <p:timing>
-    <p:tnLst>
-      <p:par>
-        <p:cTn id="1" dur="indefinite" restart="never" nodeType="tmRoot"/>
-      </p:par>
-    </p:tnLst>
-  </p:timing>
 </p:sld>
 </file>
 
@@ -5405,10 +5327,9 @@
           <a:p>
             <a:pPr algn="ctr"/>
             <a:r>
-              <a:rPr lang="ko-KR" altLang="en-US" b="1" dirty="0" smtClean="0"/>
+              <a:rPr lang="ko-KR" altLang="en-US" b="1" dirty="0"/>
               <a:t>게임 컨셉</a:t>
             </a:r>
-            <a:endParaRPr lang="ko-KR" altLang="en-US" b="1" dirty="0"/>
           </a:p>
         </p:txBody>
       </p:sp>
@@ -5434,12 +5355,8 @@
               <a:buChar char="Ø"/>
             </a:pPr>
             <a:r>
-              <a:rPr lang="ko-KR" altLang="en-US" dirty="0" smtClean="0"/>
-              <a:t>오픈 </a:t>
-            </a:r>
-            <a:r>
               <a:rPr lang="ko-KR" altLang="en-US" dirty="0"/>
-              <a:t>월드 기반의 멀티 플레이 </a:t>
+              <a:t>오픈 월드 기반의 멀티 플레이 </a:t>
             </a:r>
             <a:r>
               <a:rPr lang="ko-KR" altLang="en-US" dirty="0" err="1"/>
@@ -5456,14 +5373,10 @@
               <a:buChar char="Ø"/>
             </a:pPr>
             <a:r>
-              <a:rPr lang="ko-KR" altLang="en-US" dirty="0" smtClean="0"/>
-              <a:t>오픈 </a:t>
-            </a:r>
-            <a:r>
               <a:rPr lang="ko-KR" altLang="en-US" dirty="0"/>
-              <a:t>월드 상의 몬스터를 처치하여 무기 숙련도를 올리며 숨어있는 </a:t>
-            </a:r>
-            <a:endParaRPr lang="en-US" altLang="ko-KR" dirty="0" smtClean="0"/>
+              <a:t>오픈 월드 상의 몬스터를 처치하여 무기 숙련도를 올리며 숨어있는 </a:t>
+            </a:r>
+            <a:endParaRPr lang="en-US" altLang="ko-KR" dirty="0"/>
           </a:p>
           <a:p>
             <a:pPr marL="0" indent="0">
@@ -5471,19 +5384,11 @@
             </a:pPr>
             <a:r>
               <a:rPr lang="en-US" altLang="ko-KR" dirty="0"/>
-              <a:t> </a:t>
-            </a:r>
-            <a:r>
-              <a:rPr lang="en-US" altLang="ko-KR" dirty="0" smtClean="0"/>
-              <a:t>   </a:t>
-            </a:r>
-            <a:r>
-              <a:rPr lang="ko-KR" altLang="en-US" dirty="0" smtClean="0"/>
-              <a:t>던전을 </a:t>
+              <a:t>    </a:t>
             </a:r>
             <a:r>
               <a:rPr lang="ko-KR" altLang="en-US" dirty="0"/>
-              <a:t>찾아 클리어해내는 게임</a:t>
+              <a:t>던전을 찾아 클리어해내는 게임</a:t>
             </a:r>
           </a:p>
           <a:p>
@@ -5492,12 +5397,8 @@
               <a:buChar char="Ø"/>
             </a:pPr>
             <a:r>
-              <a:rPr lang="ko-KR" altLang="en-US" dirty="0" smtClean="0"/>
-              <a:t>플레이어는 </a:t>
-            </a:r>
-            <a:r>
               <a:rPr lang="ko-KR" altLang="en-US" dirty="0"/>
-              <a:t>상황에 맞는 무기를 사용 </a:t>
+              <a:t>플레이어는 상황에 맞는 무기를 사용 </a:t>
             </a:r>
             <a:r>
               <a:rPr lang="en-US" altLang="ko-KR" dirty="0"/>
@@ -5518,12 +5419,8 @@
               <a:buChar char="Ø"/>
             </a:pPr>
             <a:r>
-              <a:rPr lang="ko-KR" altLang="en-US" dirty="0" smtClean="0"/>
-              <a:t>던전은 </a:t>
-            </a:r>
-            <a:r>
               <a:rPr lang="ko-KR" altLang="en-US" dirty="0"/>
-              <a:t>협동하여 클리어하는 방식</a:t>
+              <a:t>던전은 협동하여 클리어하는 방식</a:t>
             </a:r>
             <a:r>
               <a:rPr lang="en-US" altLang="ko-KR" dirty="0"/>
@@ -5544,16 +5441,12 @@
               <a:buChar char="Ø"/>
             </a:pPr>
             <a:r>
-              <a:rPr lang="ko-KR" altLang="en-US" dirty="0" err="1" smtClean="0"/>
+              <a:rPr lang="ko-KR" altLang="en-US" dirty="0" err="1"/>
               <a:t>팀킬</a:t>
             </a:r>
             <a:r>
-              <a:rPr lang="ko-KR" altLang="en-US" dirty="0" smtClean="0"/>
-              <a:t> </a:t>
-            </a:r>
-            <a:r>
               <a:rPr lang="ko-KR" altLang="en-US" dirty="0"/>
-              <a:t>요소에 대한 고민</a:t>
+              <a:t> 요소에 대한 고민</a:t>
             </a:r>
             <a:r>
               <a:rPr lang="en-US" altLang="ko-KR" dirty="0"/>
@@ -5671,13 +5564,6 @@
   <p:clrMapOvr>
     <a:masterClrMapping/>
   </p:clrMapOvr>
-  <p:timing>
-    <p:tnLst>
-      <p:par>
-        <p:cTn id="1" dur="indefinite" restart="never" nodeType="tmRoot"/>
-      </p:par>
-    </p:tnLst>
-  </p:timing>
 </p:sld>
 </file>
 
@@ -5720,12 +5606,8 @@
           <a:p>
             <a:pPr algn="ctr"/>
             <a:r>
-              <a:rPr lang="ko-KR" altLang="en-US" b="1" dirty="0" smtClean="0"/>
-              <a:t>그래픽 </a:t>
-            </a:r>
-            <a:r>
               <a:rPr lang="ko-KR" altLang="en-US" b="1" dirty="0"/>
-              <a:t>컨셉</a:t>
+              <a:t>그래픽 컨셉</a:t>
             </a:r>
             <a:endParaRPr lang="ko-KR" altLang="en-US" dirty="0"/>
           </a:p>
@@ -5747,64 +5629,64 @@
           <a:lstStyle/>
           <a:p>
             <a:r>
-              <a:rPr lang="ko-KR" altLang="en-US" dirty="0" smtClean="0"/>
+              <a:rPr lang="ko-KR" altLang="en-US" dirty="0"/>
               <a:t>생물 </a:t>
             </a:r>
             <a:r>
-              <a:rPr lang="ko-KR" altLang="en-US" dirty="0" err="1" smtClean="0"/>
+              <a:rPr lang="ko-KR" altLang="en-US" dirty="0" err="1"/>
               <a:t>괴상한거</a:t>
             </a:r>
             <a:r>
-              <a:rPr lang="ko-KR" altLang="en-US" dirty="0" smtClean="0"/>
+              <a:rPr lang="ko-KR" altLang="en-US" dirty="0"/>
               <a:t> 예시 </a:t>
             </a:r>
             <a:r>
-              <a:rPr lang="ko-KR" altLang="en-US" dirty="0" err="1" smtClean="0"/>
+              <a:rPr lang="ko-KR" altLang="en-US" dirty="0" err="1"/>
               <a:t>붙여넣으면</a:t>
             </a:r>
             <a:r>
-              <a:rPr lang="ko-KR" altLang="en-US" dirty="0" smtClean="0"/>
+              <a:rPr lang="ko-KR" altLang="en-US" dirty="0"/>
               <a:t> 될 듯</a:t>
             </a:r>
             <a:r>
-              <a:rPr lang="en-US" altLang="ko-KR" dirty="0" smtClean="0"/>
+              <a:rPr lang="en-US" altLang="ko-KR" dirty="0"/>
               <a:t>.</a:t>
             </a:r>
           </a:p>
           <a:p>
             <a:r>
-              <a:rPr lang="ko-KR" altLang="en-US" dirty="0" smtClean="0"/>
+              <a:rPr lang="ko-KR" altLang="en-US" dirty="0"/>
               <a:t>돌연변이 예시 사진 몇 개만 </a:t>
             </a:r>
             <a:r>
-              <a:rPr lang="ko-KR" altLang="en-US" dirty="0" err="1" smtClean="0"/>
+              <a:rPr lang="ko-KR" altLang="en-US" dirty="0" err="1"/>
               <a:t>붙여넣으면</a:t>
             </a:r>
             <a:r>
-              <a:rPr lang="ko-KR" altLang="en-US" dirty="0" smtClean="0"/>
+              <a:rPr lang="ko-KR" altLang="en-US" dirty="0"/>
               <a:t> 됨</a:t>
             </a:r>
-            <a:endParaRPr lang="en-US" altLang="ko-KR" dirty="0" smtClean="0"/>
-          </a:p>
-          <a:p>
-            <a:r>
-              <a:rPr lang="ko-KR" altLang="en-US" dirty="0" err="1" smtClean="0"/>
+            <a:endParaRPr lang="en-US" altLang="ko-KR" dirty="0"/>
+          </a:p>
+          <a:p>
+            <a:r>
+              <a:rPr lang="ko-KR" altLang="en-US" dirty="0" err="1"/>
               <a:t>오픈월드의</a:t>
             </a:r>
             <a:r>
-              <a:rPr lang="ko-KR" altLang="en-US" dirty="0" smtClean="0"/>
+              <a:rPr lang="ko-KR" altLang="en-US" dirty="0"/>
               <a:t> 몬스터는 대략 </a:t>
             </a:r>
             <a:r>
-              <a:rPr lang="en-US" altLang="ko-KR" dirty="0" smtClean="0"/>
+              <a:rPr lang="en-US" altLang="ko-KR" dirty="0"/>
               <a:t>5</a:t>
             </a:r>
             <a:r>
-              <a:rPr lang="ko-KR" altLang="en-US" dirty="0" smtClean="0"/>
+              <a:rPr lang="ko-KR" altLang="en-US" dirty="0"/>
               <a:t>개 정도로 할 거라고 명시해줄 것</a:t>
             </a:r>
             <a:r>
-              <a:rPr lang="en-US" altLang="ko-KR" dirty="0" smtClean="0"/>
+              <a:rPr lang="en-US" altLang="ko-KR" dirty="0"/>
               <a:t>.</a:t>
             </a:r>
           </a:p>
@@ -5820,13 +5702,6 @@
   <p:clrMapOvr>
     <a:masterClrMapping/>
   </p:clrMapOvr>
-  <p:timing>
-    <p:tnLst>
-      <p:par>
-        <p:cTn id="1" dur="indefinite" restart="never" nodeType="tmRoot"/>
-      </p:par>
-    </p:tnLst>
-  </p:timing>
 </p:sld>
 </file>
 
@@ -5869,10 +5744,9 @@
           <a:p>
             <a:pPr algn="ctr"/>
             <a:r>
-              <a:rPr lang="ko-KR" altLang="en-US" b="1" dirty="0" smtClean="0"/>
+              <a:rPr lang="ko-KR" altLang="en-US" b="1" dirty="0"/>
               <a:t>플레이 방식</a:t>
             </a:r>
-            <a:endParaRPr lang="ko-KR" altLang="en-US" b="1" dirty="0"/>
           </a:p>
         </p:txBody>
       </p:sp>
@@ -5902,22 +5776,22 @@
               <a:buNone/>
             </a:pPr>
             <a:r>
-              <a:rPr lang="en-US" altLang="ko-KR" sz="1600" dirty="0" smtClean="0"/>
+              <a:rPr lang="en-US" altLang="ko-KR" sz="1600" dirty="0"/>
               <a:t>1</a:t>
             </a:r>
             <a:r>
-              <a:rPr lang="en-US" altLang="ko-KR" sz="1500" dirty="0" smtClean="0"/>
+              <a:rPr lang="en-US" altLang="ko-KR" sz="1500" dirty="0"/>
               <a:t>. </a:t>
             </a:r>
             <a:r>
-              <a:rPr lang="ko-KR" altLang="en-US" sz="1500" dirty="0" err="1" smtClean="0"/>
+              <a:rPr lang="ko-KR" altLang="en-US" sz="1500" dirty="0" err="1"/>
               <a:t>오픈월드</a:t>
             </a:r>
             <a:r>
-              <a:rPr lang="ko-KR" altLang="en-US" sz="1500" dirty="0" smtClean="0"/>
+              <a:rPr lang="ko-KR" altLang="en-US" sz="1500" dirty="0"/>
               <a:t> 사냥</a:t>
             </a:r>
-            <a:endParaRPr lang="en-US" altLang="ko-KR" sz="1500" dirty="0" smtClean="0"/>
+            <a:endParaRPr lang="en-US" altLang="ko-KR" sz="1500" dirty="0"/>
           </a:p>
           <a:p>
             <a:pPr marL="0" indent="0">
@@ -5925,19 +5799,11 @@
             </a:pPr>
             <a:r>
               <a:rPr lang="en-US" altLang="ko-KR" sz="1500" dirty="0"/>
-              <a:t> </a:t>
-            </a:r>
-            <a:r>
-              <a:rPr lang="en-US" altLang="ko-KR" sz="1500" dirty="0" smtClean="0"/>
-              <a:t>- </a:t>
+              <a:t> - </a:t>
             </a:r>
             <a:r>
               <a:rPr lang="ko-KR" altLang="en-US" sz="1500" dirty="0"/>
-              <a:t>몬스터 사냥을 통한 무기 숙련도 </a:t>
-            </a:r>
-            <a:r>
-              <a:rPr lang="ko-KR" altLang="en-US" sz="1500" dirty="0" smtClean="0"/>
-              <a:t>증진 </a:t>
+              <a:t>몬스터 사냥을 통한 무기 숙련도 증진 </a:t>
             </a:r>
             <a:endParaRPr lang="en-US" altLang="ko-KR" sz="1500" dirty="0"/>
           </a:p>
@@ -5946,11 +5812,11 @@
               <a:buNone/>
             </a:pPr>
             <a:r>
-              <a:rPr lang="en-US" altLang="ko-KR" sz="1500" dirty="0" smtClean="0"/>
+              <a:rPr lang="en-US" altLang="ko-KR" sz="1500" dirty="0"/>
               <a:t> - </a:t>
             </a:r>
             <a:r>
-              <a:rPr lang="ko-KR" altLang="en-US" sz="1500" dirty="0" smtClean="0"/>
+              <a:rPr lang="ko-KR" altLang="en-US" sz="1500" dirty="0"/>
               <a:t>게임 진행을 위한 던전 탐색</a:t>
             </a:r>
             <a:endParaRPr lang="en-US" altLang="ko-KR" sz="1500" dirty="0"/>
@@ -5960,15 +5826,15 @@
               <a:buNone/>
             </a:pPr>
             <a:r>
-              <a:rPr lang="en-US" altLang="ko-KR" sz="1500" dirty="0" smtClean="0"/>
+              <a:rPr lang="en-US" altLang="ko-KR" sz="1500" dirty="0"/>
               <a:t> - </a:t>
             </a:r>
             <a:r>
-              <a:rPr lang="ko-KR" altLang="en-US" sz="1500" dirty="0" smtClean="0"/>
+              <a:rPr lang="ko-KR" altLang="en-US" sz="1500" dirty="0"/>
               <a:t>탈 것 이용</a:t>
             </a:r>
             <a:r>
-              <a:rPr lang="en-US" altLang="ko-KR" sz="1500" dirty="0" smtClean="0"/>
+              <a:rPr lang="en-US" altLang="ko-KR" sz="1500" dirty="0"/>
               <a:t>  </a:t>
             </a:r>
           </a:p>
@@ -5983,31 +5849,31 @@
               <a:buNone/>
             </a:pPr>
             <a:r>
-              <a:rPr lang="en-US" altLang="ko-KR" sz="1500" dirty="0" smtClean="0"/>
+              <a:rPr lang="en-US" altLang="ko-KR" sz="1500" dirty="0"/>
               <a:t>2. </a:t>
             </a:r>
             <a:r>
-              <a:rPr lang="ko-KR" altLang="en-US" sz="1500" dirty="0" smtClean="0"/>
+              <a:rPr lang="ko-KR" altLang="en-US" sz="1500" dirty="0"/>
               <a:t>던전 진입</a:t>
             </a:r>
             <a:r>
-              <a:rPr lang="en-US" altLang="ko-KR" sz="1500" dirty="0" smtClean="0"/>
+              <a:rPr lang="en-US" altLang="ko-KR" sz="1500" dirty="0"/>
               <a:t>(</a:t>
             </a:r>
             <a:r>
-              <a:rPr lang="ko-KR" altLang="en-US" sz="1500" dirty="0" smtClean="0"/>
+              <a:rPr lang="ko-KR" altLang="en-US" sz="1500" dirty="0"/>
               <a:t>총</a:t>
             </a:r>
             <a:r>
-              <a:rPr lang="en-US" altLang="ko-KR" sz="1500" dirty="0" smtClean="0"/>
+              <a:rPr lang="en-US" altLang="ko-KR" sz="1500" dirty="0"/>
               <a:t>4</a:t>
             </a:r>
             <a:r>
-              <a:rPr lang="ko-KR" altLang="en-US" sz="1500" dirty="0" smtClean="0"/>
+              <a:rPr lang="ko-KR" altLang="en-US" sz="1500" dirty="0"/>
               <a:t>개의 던전</a:t>
             </a:r>
             <a:r>
-              <a:rPr lang="en-US" altLang="ko-KR" sz="1500" dirty="0" smtClean="0"/>
+              <a:rPr lang="en-US" altLang="ko-KR" sz="1500" dirty="0"/>
               <a:t>)</a:t>
             </a:r>
           </a:p>
@@ -6017,22 +5883,18 @@
             </a:pPr>
             <a:r>
               <a:rPr lang="en-US" altLang="ko-KR" sz="1500" dirty="0"/>
-              <a:t> </a:t>
-            </a:r>
-            <a:r>
-              <a:rPr lang="en-US" altLang="ko-KR" sz="1500" dirty="0" smtClean="0"/>
-              <a:t>- 3</a:t>
-            </a:r>
-            <a:r>
-              <a:rPr lang="ko-KR" altLang="en-US" sz="1500" dirty="0" smtClean="0"/>
+              <a:t> - 3</a:t>
+            </a:r>
+            <a:r>
+              <a:rPr lang="ko-KR" altLang="en-US" sz="1500" dirty="0"/>
               <a:t>개의 던전 </a:t>
             </a:r>
             <a:r>
-              <a:rPr lang="en-US" altLang="ko-KR" sz="1500" dirty="0" smtClean="0"/>
+              <a:rPr lang="en-US" altLang="ko-KR" sz="1500" dirty="0"/>
               <a:t>+ </a:t>
             </a:r>
             <a:r>
-              <a:rPr lang="ko-KR" altLang="en-US" sz="1500" dirty="0" smtClean="0"/>
+              <a:rPr lang="ko-KR" altLang="en-US" sz="1500" dirty="0"/>
               <a:t>최종 던전</a:t>
             </a:r>
             <a:endParaRPr lang="en-US" altLang="ko-KR" sz="1500" dirty="0"/>
@@ -6042,18 +5904,18 @@
               <a:buNone/>
             </a:pPr>
             <a:r>
-              <a:rPr lang="en-US" altLang="ko-KR" sz="1500" dirty="0" smtClean="0"/>
+              <a:rPr lang="en-US" altLang="ko-KR" sz="1500" dirty="0"/>
               <a:t> - </a:t>
             </a:r>
             <a:r>
-              <a:rPr lang="ko-KR" altLang="en-US" sz="1500" dirty="0" err="1" smtClean="0"/>
+              <a:rPr lang="ko-KR" altLang="en-US" sz="1500" dirty="0" err="1"/>
               <a:t>던전마다</a:t>
             </a:r>
             <a:r>
-              <a:rPr lang="ko-KR" altLang="en-US" sz="1500" dirty="0" smtClean="0"/>
+              <a:rPr lang="ko-KR" altLang="en-US" sz="1500" dirty="0"/>
               <a:t> 각자의 컨셉을 가짐</a:t>
             </a:r>
-            <a:endParaRPr lang="en-US" altLang="ko-KR" sz="1500" dirty="0" smtClean="0"/>
+            <a:endParaRPr lang="en-US" altLang="ko-KR" sz="1500" dirty="0"/>
           </a:p>
           <a:p>
             <a:pPr marL="0" indent="0">
@@ -6061,14 +5923,10 @@
             </a:pPr>
             <a:r>
               <a:rPr lang="en-US" altLang="ko-KR" sz="1500" dirty="0"/>
-              <a:t> </a:t>
-            </a:r>
-            <a:r>
-              <a:rPr lang="en-US" altLang="ko-KR" sz="1500" dirty="0" smtClean="0"/>
-              <a:t>- </a:t>
-            </a:r>
-            <a:r>
-              <a:rPr lang="ko-KR" altLang="en-US" sz="1500" dirty="0" smtClean="0"/>
+              <a:t> - </a:t>
+            </a:r>
+            <a:r>
+              <a:rPr lang="ko-KR" altLang="en-US" sz="1500" dirty="0"/>
               <a:t>던전은 점점 난이도가 높아짐</a:t>
             </a:r>
             <a:endParaRPr lang="en-US" altLang="ko-KR" sz="1500" dirty="0"/>
@@ -6078,23 +5936,23 @@
               <a:buNone/>
             </a:pPr>
             <a:r>
-              <a:rPr lang="en-US" altLang="ko-KR" sz="1500" dirty="0" smtClean="0"/>
+              <a:rPr lang="en-US" altLang="ko-KR" sz="1500" dirty="0"/>
               <a:t> - </a:t>
             </a:r>
             <a:r>
-              <a:rPr lang="ko-KR" altLang="en-US" sz="1500" dirty="0" smtClean="0"/>
+              <a:rPr lang="ko-KR" altLang="en-US" sz="1500" dirty="0"/>
               <a:t>던전을 클리어하면 다음 던전을 위한 단서가 주어짐</a:t>
             </a:r>
             <a:r>
-              <a:rPr lang="en-US" altLang="ko-KR" sz="1500" dirty="0" smtClean="0"/>
+              <a:rPr lang="en-US" altLang="ko-KR" sz="1500" dirty="0"/>
               <a:t>(</a:t>
             </a:r>
             <a:r>
-              <a:rPr lang="ko-KR" altLang="en-US" sz="1500" dirty="0" smtClean="0"/>
+              <a:rPr lang="ko-KR" altLang="en-US" sz="1500" dirty="0"/>
               <a:t>지도</a:t>
             </a:r>
             <a:r>
-              <a:rPr lang="en-US" altLang="ko-KR" sz="1500" dirty="0" smtClean="0"/>
+              <a:rPr lang="en-US" altLang="ko-KR" sz="1500" dirty="0"/>
               <a:t>)</a:t>
             </a:r>
           </a:p>
@@ -6104,17 +5962,13 @@
             </a:pPr>
             <a:r>
               <a:rPr lang="en-US" altLang="ko-KR" sz="1500" dirty="0"/>
-              <a:t> </a:t>
-            </a:r>
-            <a:r>
-              <a:rPr lang="en-US" altLang="ko-KR" sz="1500" dirty="0" smtClean="0"/>
-              <a:t>- </a:t>
-            </a:r>
-            <a:r>
-              <a:rPr lang="ko-KR" altLang="en-US" sz="1500" dirty="0" smtClean="0"/>
+              <a:t> - </a:t>
+            </a:r>
+            <a:r>
+              <a:rPr lang="ko-KR" altLang="en-US" sz="1500" dirty="0"/>
               <a:t>최종 던전은 연구소로 최종 보스를 처치하여 연구소에서 </a:t>
             </a:r>
-            <a:endParaRPr lang="en-US" altLang="ko-KR" sz="1500" dirty="0" smtClean="0"/>
+            <a:endParaRPr lang="en-US" altLang="ko-KR" sz="1500" dirty="0"/>
           </a:p>
           <a:p>
             <a:pPr marL="0" indent="0">
@@ -6122,17 +5976,12 @@
             </a:pPr>
             <a:r>
               <a:rPr lang="en-US" altLang="ko-KR" sz="1500" dirty="0"/>
-              <a:t> </a:t>
-            </a:r>
-            <a:r>
-              <a:rPr lang="en-US" altLang="ko-KR" sz="1500" dirty="0" smtClean="0"/>
-              <a:t>  </a:t>
-            </a:r>
-            <a:r>
-              <a:rPr lang="ko-KR" altLang="en-US" sz="1500" dirty="0" smtClean="0"/>
+              <a:t>   </a:t>
+            </a:r>
+            <a:r>
+              <a:rPr lang="ko-KR" altLang="en-US" sz="1500" dirty="0"/>
               <a:t>바이러스 해결책을 찾고 게임 마무리</a:t>
             </a:r>
-            <a:endParaRPr lang="ko-KR" altLang="en-US" sz="1500" dirty="0"/>
           </a:p>
         </p:txBody>
       </p:sp>
@@ -6146,13 +5995,6 @@
   <p:clrMapOvr>
     <a:masterClrMapping/>
   </p:clrMapOvr>
-  <p:timing>
-    <p:tnLst>
-      <p:par>
-        <p:cTn id="1" dur="indefinite" restart="never" nodeType="tmRoot"/>
-      </p:par>
-    </p:tnLst>
-  </p:timing>
 </p:sld>
 </file>
 
@@ -6195,10 +6037,9 @@
           <a:p>
             <a:pPr algn="ctr"/>
             <a:r>
-              <a:rPr lang="ko-KR" altLang="en-US" b="1" dirty="0" smtClean="0"/>
+              <a:rPr lang="ko-KR" altLang="en-US" b="1" dirty="0"/>
               <a:t>스토리</a:t>
             </a:r>
-            <a:endParaRPr lang="ko-KR" altLang="en-US" b="1" dirty="0"/>
           </a:p>
         </p:txBody>
       </p:sp>
@@ -6228,11 +6069,11 @@
               <a:buNone/>
             </a:pPr>
             <a:r>
-              <a:rPr lang="ko-KR" altLang="en-US" dirty="0" smtClean="0"/>
+              <a:rPr lang="ko-KR" altLang="en-US" dirty="0"/>
               <a:t>연구소 직원은 바이러스 연구를 하다 실수로 바이러스가 유출됨</a:t>
             </a:r>
             <a:r>
-              <a:rPr lang="en-US" altLang="ko-KR" dirty="0" smtClean="0"/>
+              <a:rPr lang="en-US" altLang="ko-KR" dirty="0"/>
               <a:t>.</a:t>
             </a:r>
           </a:p>
@@ -6241,7 +6082,7 @@
               <a:buNone/>
             </a:pPr>
             <a:r>
-              <a:rPr lang="ko-KR" altLang="en-US" dirty="0" smtClean="0"/>
+              <a:rPr lang="ko-KR" altLang="en-US" dirty="0"/>
               <a:t>연구소 직원은 이 상황을 회피하기 위해 </a:t>
             </a:r>
             <a:r>
@@ -6249,11 +6090,11 @@
               <a:t>5</a:t>
             </a:r>
             <a:r>
-              <a:rPr lang="ko-KR" altLang="en-US" dirty="0" smtClean="0"/>
+              <a:rPr lang="ko-KR" altLang="en-US" dirty="0"/>
               <a:t>년간 동면을 함</a:t>
             </a:r>
             <a:r>
-              <a:rPr lang="en-US" altLang="ko-KR" dirty="0" smtClean="0"/>
+              <a:rPr lang="en-US" altLang="ko-KR" dirty="0"/>
               <a:t>.</a:t>
             </a:r>
           </a:p>
@@ -6266,23 +6107,23 @@
               <a:t>5</a:t>
             </a:r>
             <a:r>
-              <a:rPr lang="ko-KR" altLang="en-US" dirty="0" smtClean="0"/>
+              <a:rPr lang="ko-KR" altLang="en-US" dirty="0"/>
               <a:t>년이면 </a:t>
             </a:r>
             <a:r>
-              <a:rPr lang="ko-KR" altLang="en-US" dirty="0" err="1" smtClean="0"/>
+              <a:rPr lang="ko-KR" altLang="en-US" dirty="0" err="1"/>
               <a:t>사라질거라</a:t>
             </a:r>
             <a:r>
-              <a:rPr lang="ko-KR" altLang="en-US" dirty="0" smtClean="0"/>
+              <a:rPr lang="ko-KR" altLang="en-US" dirty="0"/>
               <a:t> 예상했던 바이러스가 돌연변이가 생겨 더 </a:t>
             </a:r>
             <a:r>
-              <a:rPr lang="ko-KR" altLang="en-US" dirty="0" err="1" smtClean="0"/>
+              <a:rPr lang="ko-KR" altLang="en-US" dirty="0" err="1"/>
               <a:t>심각해짐</a:t>
             </a:r>
             <a:r>
-              <a:rPr lang="en-US" altLang="ko-KR" dirty="0" smtClean="0"/>
+              <a:rPr lang="en-US" altLang="ko-KR" dirty="0"/>
               <a:t>.</a:t>
             </a:r>
           </a:p>
@@ -6291,25 +6132,25 @@
               <a:buNone/>
             </a:pPr>
             <a:r>
-              <a:rPr lang="en-US" altLang="ko-KR" dirty="0" smtClean="0"/>
+              <a:rPr lang="en-US" altLang="ko-KR" dirty="0"/>
               <a:t>5</a:t>
             </a:r>
             <a:r>
-              <a:rPr lang="ko-KR" altLang="en-US" dirty="0" smtClean="0"/>
+              <a:rPr lang="ko-KR" altLang="en-US" dirty="0"/>
               <a:t>년 후 깨어난 주인공은 파괴된 연구소를 보고 무슨 일이 있었는지 알아보기 위해</a:t>
             </a:r>
-            <a:endParaRPr lang="en-US" altLang="ko-KR" dirty="0" smtClean="0"/>
+            <a:endParaRPr lang="en-US" altLang="ko-KR" dirty="0"/>
           </a:p>
           <a:p>
             <a:pPr marL="0" indent="0">
               <a:buNone/>
             </a:pPr>
             <a:r>
-              <a:rPr lang="ko-KR" altLang="en-US" dirty="0" smtClean="0"/>
+              <a:rPr lang="ko-KR" altLang="en-US" dirty="0"/>
               <a:t>연구소 바깥으로 나갔는데 의문의 이유로 쓰러지게 된다</a:t>
             </a:r>
             <a:r>
-              <a:rPr lang="en-US" altLang="ko-KR" dirty="0" smtClean="0"/>
+              <a:rPr lang="en-US" altLang="ko-KR" dirty="0"/>
               <a:t>.</a:t>
             </a:r>
           </a:p>
@@ -6318,11 +6159,11 @@
               <a:buNone/>
             </a:pPr>
             <a:r>
-              <a:rPr lang="ko-KR" altLang="en-US" dirty="0" smtClean="0"/>
+              <a:rPr lang="ko-KR" altLang="en-US" dirty="0"/>
               <a:t>깨어났더니 어떤 마을의 여관 침대 위였다</a:t>
             </a:r>
             <a:r>
-              <a:rPr lang="en-US" altLang="ko-KR" dirty="0" smtClean="0"/>
+              <a:rPr lang="en-US" altLang="ko-KR" dirty="0"/>
               <a:t>.</a:t>
             </a:r>
           </a:p>
@@ -6331,19 +6172,19 @@
               <a:buNone/>
             </a:pPr>
             <a:r>
-              <a:rPr lang="ko-KR" altLang="en-US" dirty="0" smtClean="0"/>
+              <a:rPr lang="ko-KR" altLang="en-US" dirty="0"/>
               <a:t>주인공은 연구소 </a:t>
             </a:r>
             <a:r>
-              <a:rPr lang="ko-KR" altLang="en-US" dirty="0" err="1" smtClean="0"/>
+              <a:rPr lang="ko-KR" altLang="en-US" dirty="0" err="1"/>
               <a:t>직원이였다는</a:t>
             </a:r>
             <a:r>
-              <a:rPr lang="ko-KR" altLang="en-US" dirty="0" smtClean="0"/>
+              <a:rPr lang="ko-KR" altLang="en-US" dirty="0"/>
               <a:t> 외에는 아무것도 기억을 하지 못한다</a:t>
             </a:r>
             <a:r>
-              <a:rPr lang="en-US" altLang="ko-KR" dirty="0" smtClean="0"/>
+              <a:rPr lang="en-US" altLang="ko-KR" dirty="0"/>
               <a:t>.</a:t>
             </a:r>
           </a:p>
@@ -6352,21 +6193,21 @@
               <a:buNone/>
             </a:pPr>
             <a:r>
-              <a:rPr lang="ko-KR" altLang="en-US" dirty="0" smtClean="0"/>
+              <a:rPr lang="ko-KR" altLang="en-US" dirty="0"/>
               <a:t>마을 주민에게 바이러스의 존재를 듣게 되고 이 사태가 본인의 연구소에서부터 </a:t>
             </a:r>
-            <a:endParaRPr lang="en-US" altLang="ko-KR" dirty="0" smtClean="0"/>
+            <a:endParaRPr lang="en-US" altLang="ko-KR" dirty="0"/>
           </a:p>
           <a:p>
             <a:pPr marL="0" indent="0">
               <a:buNone/>
             </a:pPr>
             <a:r>
-              <a:rPr lang="ko-KR" altLang="en-US" dirty="0" smtClean="0"/>
+              <a:rPr lang="ko-KR" altLang="en-US" dirty="0"/>
               <a:t>시작되었다는 것을 알게 되고 죄책감을 느낀다</a:t>
             </a:r>
             <a:r>
-              <a:rPr lang="en-US" altLang="ko-KR" dirty="0" smtClean="0"/>
+              <a:rPr lang="en-US" altLang="ko-KR" dirty="0"/>
               <a:t>.</a:t>
             </a:r>
           </a:p>
@@ -6375,37 +6216,37 @@
               <a:buNone/>
             </a:pPr>
             <a:r>
-              <a:rPr lang="ko-KR" altLang="en-US" dirty="0" smtClean="0"/>
+              <a:rPr lang="ko-KR" altLang="en-US" dirty="0"/>
               <a:t>주인공은</a:t>
             </a:r>
             <a:r>
-              <a:rPr lang="en-US" altLang="ko-KR" dirty="0" smtClean="0"/>
+              <a:rPr lang="en-US" altLang="ko-KR" dirty="0"/>
               <a:t> </a:t>
             </a:r>
             <a:r>
-              <a:rPr lang="ko-KR" altLang="en-US" dirty="0" smtClean="0"/>
+              <a:rPr lang="ko-KR" altLang="en-US" dirty="0"/>
               <a:t>연구소에 가면 바이러스에 대한 해결책을 찾아낼 수 </a:t>
             </a:r>
             <a:r>
-              <a:rPr lang="ko-KR" altLang="en-US" dirty="0" err="1" smtClean="0"/>
+              <a:rPr lang="ko-KR" altLang="en-US" dirty="0" err="1"/>
               <a:t>있을거라</a:t>
             </a:r>
             <a:r>
-              <a:rPr lang="ko-KR" altLang="en-US" dirty="0" smtClean="0"/>
+              <a:rPr lang="ko-KR" altLang="en-US" dirty="0"/>
               <a:t> 생각하고 </a:t>
             </a:r>
-            <a:endParaRPr lang="en-US" altLang="ko-KR" dirty="0" smtClean="0"/>
+            <a:endParaRPr lang="en-US" altLang="ko-KR" dirty="0"/>
           </a:p>
           <a:p>
             <a:pPr marL="0" indent="0">
               <a:buNone/>
             </a:pPr>
             <a:r>
-              <a:rPr lang="ko-KR" altLang="en-US" dirty="0" smtClean="0"/>
+              <a:rPr lang="ko-KR" altLang="en-US" dirty="0"/>
               <a:t>연구소를 찾기 위해 모험을 시작한다</a:t>
             </a:r>
             <a:r>
-              <a:rPr lang="en-US" altLang="ko-KR" dirty="0" smtClean="0"/>
+              <a:rPr lang="en-US" altLang="ko-KR" dirty="0"/>
               <a:t>.</a:t>
             </a:r>
           </a:p>
@@ -6424,13 +6265,6 @@
   <p:clrMapOvr>
     <a:masterClrMapping/>
   </p:clrMapOvr>
-  <p:timing>
-    <p:tnLst>
-      <p:par>
-        <p:cTn id="1" dur="indefinite" restart="never" nodeType="tmRoot"/>
-      </p:par>
-    </p:tnLst>
-  </p:timing>
 </p:sld>
 </file>
 
@@ -6473,11 +6307,11 @@
           <a:p>
             <a:pPr algn="ctr"/>
             <a:r>
-              <a:rPr lang="en-US" altLang="ko-KR" b="1" dirty="0" smtClean="0"/>
+              <a:rPr lang="en-US" altLang="ko-KR" b="1" dirty="0"/>
               <a:t>3. </a:t>
             </a:r>
             <a:r>
-              <a:rPr lang="ko-KR" altLang="en-US" b="1" dirty="0" smtClean="0"/>
+              <a:rPr lang="ko-KR" altLang="en-US" b="1" dirty="0"/>
               <a:t>개발환경</a:t>
             </a:r>
             <a:endParaRPr lang="ko-KR" altLang="en-US" dirty="0"/>
@@ -6500,50 +6334,50 @@
           <a:lstStyle/>
           <a:p>
             <a:r>
-              <a:rPr lang="en-US" altLang="ko-KR" dirty="0" smtClean="0"/>
+              <a:rPr lang="en-US" altLang="ko-KR" dirty="0"/>
               <a:t>Unity </a:t>
             </a:r>
           </a:p>
           <a:p>
             <a:r>
-              <a:rPr lang="en-US" altLang="ko-KR" dirty="0" smtClean="0"/>
+              <a:rPr lang="en-US" altLang="ko-KR" dirty="0"/>
               <a:t>Visual Studio</a:t>
             </a:r>
           </a:p>
           <a:p>
             <a:r>
-              <a:rPr lang="en-US" altLang="ko-KR" dirty="0" err="1" smtClean="0"/>
+              <a:rPr lang="en-US" altLang="ko-KR" dirty="0" err="1"/>
               <a:t>Git</a:t>
             </a:r>
-            <a:endParaRPr lang="en-US" altLang="ko-KR" dirty="0" smtClean="0"/>
-          </a:p>
-          <a:p>
-            <a:r>
-              <a:rPr lang="en-US" altLang="ko-KR" dirty="0" smtClean="0"/>
+            <a:endParaRPr lang="en-US" altLang="ko-KR" dirty="0"/>
+          </a:p>
+          <a:p>
+            <a:r>
+              <a:rPr lang="en-US" altLang="ko-KR" dirty="0"/>
               <a:t>3D MAX</a:t>
             </a:r>
           </a:p>
           <a:p>
             <a:r>
-              <a:rPr lang="en-US" altLang="ko-KR" dirty="0" err="1" smtClean="0"/>
+              <a:rPr lang="en-US" altLang="ko-KR" dirty="0" err="1"/>
               <a:t>PhotoShop</a:t>
             </a:r>
-            <a:endParaRPr lang="en-US" altLang="ko-KR" dirty="0" smtClean="0"/>
-          </a:p>
-          <a:p>
-            <a:r>
-              <a:rPr lang="en-US" altLang="ko-KR" dirty="0" err="1" smtClean="0"/>
+            <a:endParaRPr lang="en-US" altLang="ko-KR" dirty="0"/>
+          </a:p>
+          <a:p>
+            <a:r>
+              <a:rPr lang="en-US" altLang="ko-KR" dirty="0" err="1"/>
               <a:t>Zbrush</a:t>
             </a:r>
-            <a:endParaRPr lang="en-US" altLang="ko-KR" dirty="0" smtClean="0"/>
-          </a:p>
-          <a:p>
-            <a:r>
-              <a:rPr lang="en-US" altLang="ko-KR" dirty="0" err="1" smtClean="0"/>
+            <a:endParaRPr lang="en-US" altLang="ko-KR" dirty="0"/>
+          </a:p>
+          <a:p>
+            <a:r>
+              <a:rPr lang="en-US" altLang="ko-KR" dirty="0" err="1"/>
               <a:t>SubStance</a:t>
             </a:r>
             <a:r>
-              <a:rPr lang="en-US" altLang="ko-KR" dirty="0" smtClean="0"/>
+              <a:rPr lang="en-US" altLang="ko-KR" dirty="0"/>
               <a:t> Painter</a:t>
             </a:r>
             <a:endParaRPr lang="ko-KR" altLang="en-US" dirty="0"/>
@@ -6560,13 +6394,6 @@
   <p:clrMapOvr>
     <a:masterClrMapping/>
   </p:clrMapOvr>
-  <p:timing>
-    <p:tnLst>
-      <p:par>
-        <p:cTn id="1" dur="indefinite" restart="never" nodeType="tmRoot"/>
-      </p:par>
-    </p:tnLst>
-  </p:timing>
 </p:sld>
 </file>
 
@@ -6602,40 +6429,6 @@
           <a:bodyPr/>
           <a:lstStyle/>
           <a:p>
-            <a:r>
-              <a:rPr lang="ko-KR" altLang="en-US" b="1" dirty="0" err="1" smtClean="0"/>
-              <a:t>컬링</a:t>
-            </a:r>
-            <a:endParaRPr lang="en-US" altLang="ko-KR" b="1" dirty="0" smtClean="0"/>
-          </a:p>
-          <a:p>
-            <a:r>
-              <a:rPr lang="ko-KR" altLang="en-US" dirty="0" smtClean="0"/>
-              <a:t>시야에 보이는 것만 렌더링하여 최적화</a:t>
-            </a:r>
-            <a:endParaRPr lang="en-US" altLang="ko-KR" dirty="0" smtClean="0"/>
-          </a:p>
-          <a:p>
-            <a:endParaRPr lang="en-US" altLang="ko-KR" dirty="0"/>
-          </a:p>
-          <a:p>
-            <a:r>
-              <a:rPr lang="ko-KR" altLang="en-US" b="1" dirty="0" smtClean="0"/>
-              <a:t>오브젝트 핸들링</a:t>
-            </a:r>
-            <a:endParaRPr lang="en-US" altLang="ko-KR" b="1" dirty="0" smtClean="0"/>
-          </a:p>
-          <a:p>
-            <a:endParaRPr lang="en-US" altLang="ko-KR" dirty="0"/>
-          </a:p>
-          <a:p>
-            <a:r>
-              <a:rPr lang="ko-KR" altLang="en-US" b="1" dirty="0" smtClean="0"/>
-              <a:t>물리 엔진</a:t>
-            </a:r>
-            <a:endParaRPr lang="en-US" altLang="ko-KR" b="1" dirty="0" smtClean="0"/>
-          </a:p>
-          <a:p>
             <a:endParaRPr lang="ko-KR" altLang="en-US" b="1" dirty="0"/>
           </a:p>
         </p:txBody>
@@ -6655,32 +6448,7 @@
           <a:bodyPr/>
           <a:lstStyle/>
           <a:p>
-            <a:r>
-              <a:rPr lang="ko-KR" altLang="en-US" b="1" dirty="0" smtClean="0"/>
-              <a:t>조명</a:t>
-            </a:r>
-            <a:endParaRPr lang="en-US" altLang="ko-KR" b="1" dirty="0" smtClean="0"/>
-          </a:p>
-          <a:p>
             <a:endParaRPr lang="en-US" altLang="ko-KR" b="1" dirty="0"/>
-          </a:p>
-          <a:p>
-            <a:r>
-              <a:rPr lang="ko-KR" altLang="en-US" b="1" dirty="0" smtClean="0"/>
-              <a:t>대용량 </a:t>
-            </a:r>
-            <a:r>
-              <a:rPr lang="en-US" altLang="ko-KR" b="1" dirty="0" smtClean="0"/>
-              <a:t>IOCP </a:t>
-            </a:r>
-            <a:r>
-              <a:rPr lang="ko-KR" altLang="en-US" b="1" dirty="0" smtClean="0"/>
-              <a:t>서버 및 최적화 </a:t>
-            </a:r>
-            <a:endParaRPr lang="en-US" altLang="ko-KR" b="1" dirty="0" smtClean="0"/>
-          </a:p>
-          <a:p>
-            <a:endParaRPr lang="en-US" altLang="ko-KR" b="1" dirty="0" smtClean="0"/>
           </a:p>
         </p:txBody>
       </p:sp>
@@ -6706,11 +6474,11 @@
           <a:p>
             <a:pPr algn="ctr"/>
             <a:r>
-              <a:rPr lang="en-US" altLang="ko-KR" b="1" dirty="0" smtClean="0"/>
+              <a:rPr lang="en-US" altLang="ko-KR" b="1" dirty="0"/>
               <a:t>4. </a:t>
             </a:r>
             <a:r>
-              <a:rPr lang="ko-KR" altLang="en-US" b="1" dirty="0" smtClean="0"/>
+              <a:rPr lang="ko-KR" altLang="en-US" b="1" dirty="0"/>
               <a:t>기술적 요소 및 중점 연구 분야</a:t>
             </a:r>
             <a:endParaRPr lang="ko-KR" altLang="en-US" dirty="0"/>
@@ -6727,13 +6495,6 @@
   <p:clrMapOvr>
     <a:masterClrMapping/>
   </p:clrMapOvr>
-  <p:timing>
-    <p:tnLst>
-      <p:par>
-        <p:cTn id="1" dur="indefinite" restart="never" nodeType="tmRoot"/>
-      </p:par>
-    </p:tnLst>
-  </p:timing>
 </p:sld>
 </file>
 
